--- a/MachineLearning/DecisionTree.pptx
+++ b/MachineLearning/DecisionTree.pptx
@@ -5,12 +5,16 @@
     <p:sldMasterId id="2147483648" r:id="rId1"/>
   </p:sldMasterIdLst>
   <p:notesMasterIdLst>
-    <p:notesMasterId r:id="rId5"/>
+    <p:notesMasterId r:id="rId9"/>
   </p:notesMasterIdLst>
   <p:sldIdLst>
     <p:sldId id="256" r:id="rId2"/>
     <p:sldId id="268" r:id="rId3"/>
-    <p:sldId id="269" r:id="rId4"/>
+    <p:sldId id="270" r:id="rId4"/>
+    <p:sldId id="272" r:id="rId5"/>
+    <p:sldId id="271" r:id="rId6"/>
+    <p:sldId id="273" r:id="rId7"/>
+    <p:sldId id="269" r:id="rId8"/>
   </p:sldIdLst>
   <p:sldSz cx="9144000" cy="6858000" type="screen4x3"/>
   <p:notesSz cx="6858000" cy="9144000"/>
@@ -195,7 +199,7 @@
             <a:fld id="{98BFDCCA-FFB9-49F6-B56E-F6432283D67C}" type="datetimeFigureOut">
               <a:rPr lang="en-US" smtClean="0"/>
               <a:pPr/>
-              <a:t>12/16/2022</a:t>
+              <a:t>1/3/2023</a:t>
             </a:fld>
             <a:endParaRPr lang="en-US"/>
           </a:p>
@@ -643,7 +647,7 @@
             <a:fld id="{9099FEDA-6AC3-495C-A467-2B0399D71BB7}" type="datetimeFigureOut">
               <a:rPr lang="en-US" smtClean="0"/>
               <a:pPr/>
-              <a:t>12/16/2022</a:t>
+              <a:t>1/3/2023</a:t>
             </a:fld>
             <a:endParaRPr lang="en-US"/>
           </a:p>
@@ -810,7 +814,7 @@
             <a:fld id="{9099FEDA-6AC3-495C-A467-2B0399D71BB7}" type="datetimeFigureOut">
               <a:rPr lang="en-US" smtClean="0"/>
               <a:pPr/>
-              <a:t>12/16/2022</a:t>
+              <a:t>1/3/2023</a:t>
             </a:fld>
             <a:endParaRPr lang="en-US"/>
           </a:p>
@@ -987,7 +991,7 @@
             <a:fld id="{9099FEDA-6AC3-495C-A467-2B0399D71BB7}" type="datetimeFigureOut">
               <a:rPr lang="en-US" smtClean="0"/>
               <a:pPr/>
-              <a:t>12/16/2022</a:t>
+              <a:t>1/3/2023</a:t>
             </a:fld>
             <a:endParaRPr lang="en-US"/>
           </a:p>
@@ -1154,7 +1158,7 @@
             <a:fld id="{9099FEDA-6AC3-495C-A467-2B0399D71BB7}" type="datetimeFigureOut">
               <a:rPr lang="en-US" smtClean="0"/>
               <a:pPr/>
-              <a:t>12/16/2022</a:t>
+              <a:t>1/3/2023</a:t>
             </a:fld>
             <a:endParaRPr lang="en-US"/>
           </a:p>
@@ -1397,7 +1401,7 @@
             <a:fld id="{9099FEDA-6AC3-495C-A467-2B0399D71BB7}" type="datetimeFigureOut">
               <a:rPr lang="en-US" smtClean="0"/>
               <a:pPr/>
-              <a:t>12/16/2022</a:t>
+              <a:t>1/3/2023</a:t>
             </a:fld>
             <a:endParaRPr lang="en-US"/>
           </a:p>
@@ -1682,7 +1686,7 @@
             <a:fld id="{9099FEDA-6AC3-495C-A467-2B0399D71BB7}" type="datetimeFigureOut">
               <a:rPr lang="en-US" smtClean="0"/>
               <a:pPr/>
-              <a:t>12/16/2022</a:t>
+              <a:t>1/3/2023</a:t>
             </a:fld>
             <a:endParaRPr lang="en-US"/>
           </a:p>
@@ -2101,7 +2105,7 @@
             <a:fld id="{9099FEDA-6AC3-495C-A467-2B0399D71BB7}" type="datetimeFigureOut">
               <a:rPr lang="en-US" smtClean="0"/>
               <a:pPr/>
-              <a:t>12/16/2022</a:t>
+              <a:t>1/3/2023</a:t>
             </a:fld>
             <a:endParaRPr lang="en-US"/>
           </a:p>
@@ -2216,7 +2220,7 @@
             <a:fld id="{9099FEDA-6AC3-495C-A467-2B0399D71BB7}" type="datetimeFigureOut">
               <a:rPr lang="en-US" smtClean="0"/>
               <a:pPr/>
-              <a:t>12/16/2022</a:t>
+              <a:t>1/3/2023</a:t>
             </a:fld>
             <a:endParaRPr lang="en-US"/>
           </a:p>
@@ -2308,7 +2312,7 @@
             <a:fld id="{9099FEDA-6AC3-495C-A467-2B0399D71BB7}" type="datetimeFigureOut">
               <a:rPr lang="en-US" smtClean="0"/>
               <a:pPr/>
-              <a:t>12/16/2022</a:t>
+              <a:t>1/3/2023</a:t>
             </a:fld>
             <a:endParaRPr lang="en-US"/>
           </a:p>
@@ -2582,7 +2586,7 @@
             <a:fld id="{9099FEDA-6AC3-495C-A467-2B0399D71BB7}" type="datetimeFigureOut">
               <a:rPr lang="en-US" smtClean="0"/>
               <a:pPr/>
-              <a:t>12/16/2022</a:t>
+              <a:t>1/3/2023</a:t>
             </a:fld>
             <a:endParaRPr lang="en-US"/>
           </a:p>
@@ -2832,7 +2836,7 @@
             <a:fld id="{9099FEDA-6AC3-495C-A467-2B0399D71BB7}" type="datetimeFigureOut">
               <a:rPr lang="en-US" smtClean="0"/>
               <a:pPr/>
-              <a:t>12/16/2022</a:t>
+              <a:t>1/3/2023</a:t>
             </a:fld>
             <a:endParaRPr lang="en-US"/>
           </a:p>
@@ -3042,7 +3046,7 @@
             <a:fld id="{9099FEDA-6AC3-495C-A467-2B0399D71BB7}" type="datetimeFigureOut">
               <a:rPr lang="en-US" smtClean="0"/>
               <a:pPr/>
-              <a:t>12/16/2022</a:t>
+              <a:t>1/3/2023</a:t>
             </a:fld>
             <a:endParaRPr lang="en-US"/>
           </a:p>
@@ -3542,6 +3546,36 @@
           </a:bodyPr>
           <a:lstStyle/>
           <a:p>
+            <a:r>
+              <a:rPr lang="en-US" dirty="0" smtClean="0"/>
+              <a:t>Introduction</a:t>
+            </a:r>
+          </a:p>
+          <a:p>
+            <a:r>
+              <a:rPr lang="en-US" dirty="0" smtClean="0"/>
+              <a:t>Supervised </a:t>
+            </a:r>
+            <a:r>
+              <a:rPr lang="en-US" dirty="0" smtClean="0"/>
+              <a:t>learning</a:t>
+            </a:r>
+          </a:p>
+          <a:p>
+            <a:r>
+              <a:rPr lang="en-US" dirty="0" smtClean="0"/>
+              <a:t>Decision </a:t>
+            </a:r>
+            <a:r>
+              <a:rPr lang="en-US" dirty="0" smtClean="0"/>
+              <a:t>tree</a:t>
+            </a:r>
+          </a:p>
+          <a:p>
+            <a:r>
+              <a:rPr lang="en-US" dirty="0" smtClean="0"/>
+              <a:t>Advantages and disadvantages</a:t>
+            </a:r>
             <a:endParaRPr lang="en-US" dirty="0"/>
           </a:p>
         </p:txBody>
@@ -3562,6 +3596,463 @@
 </file>
 
 <file path=ppt/slides/slide3.xml><?xml version="1.0" encoding="utf-8"?>
+<p:sld xmlns:a="http://schemas.openxmlformats.org/drawingml/2006/main" xmlns:r="http://schemas.openxmlformats.org/officeDocument/2006/relationships" xmlns:p="http://schemas.openxmlformats.org/presentationml/2006/main">
+  <p:cSld>
+    <p:spTree>
+      <p:nvGrpSpPr>
+        <p:cNvPr id="1" name=""/>
+        <p:cNvGrpSpPr/>
+        <p:nvPr/>
+      </p:nvGrpSpPr>
+      <p:grpSpPr>
+        <a:xfrm>
+          <a:off x="0" y="0"/>
+          <a:ext cx="0" cy="0"/>
+          <a:chOff x="0" y="0"/>
+          <a:chExt cx="0" cy="0"/>
+        </a:xfrm>
+      </p:grpSpPr>
+      <p:sp>
+        <p:nvSpPr>
+          <p:cNvPr id="2" name="Title 1"/>
+          <p:cNvSpPr>
+            <a:spLocks noGrp="1"/>
+          </p:cNvSpPr>
+          <p:nvPr>
+            <p:ph type="title"/>
+          </p:nvPr>
+        </p:nvSpPr>
+        <p:spPr/>
+        <p:txBody>
+          <a:bodyPr/>
+          <a:lstStyle/>
+          <a:p>
+            <a:r>
+              <a:rPr lang="en-US" dirty="0" smtClean="0"/>
+              <a:t>Supervised Learning</a:t>
+            </a:r>
+            <a:endParaRPr lang="en-US" dirty="0"/>
+          </a:p>
+        </p:txBody>
+      </p:sp>
+      <p:sp>
+        <p:nvSpPr>
+          <p:cNvPr id="4" name="Content Placeholder 3"/>
+          <p:cNvSpPr>
+            <a:spLocks noGrp="1"/>
+          </p:cNvSpPr>
+          <p:nvPr>
+            <p:ph idx="1"/>
+          </p:nvPr>
+        </p:nvSpPr>
+        <p:spPr/>
+        <p:txBody>
+          <a:bodyPr/>
+          <a:lstStyle/>
+          <a:p>
+            <a:r>
+              <a:rPr lang="en-US" dirty="0" smtClean="0"/>
+              <a:t>Training set – { (x</a:t>
+            </a:r>
+            <a:r>
+              <a:rPr lang="en-US" baseline="30000" dirty="0" smtClean="0"/>
+              <a:t>(1)</a:t>
+            </a:r>
+            <a:r>
+              <a:rPr lang="en-US" dirty="0" smtClean="0"/>
+              <a:t>,y</a:t>
+            </a:r>
+            <a:r>
+              <a:rPr lang="en-US" baseline="30000" dirty="0" smtClean="0"/>
+              <a:t>(1)</a:t>
+            </a:r>
+            <a:r>
+              <a:rPr lang="en-US" dirty="0" smtClean="0"/>
+              <a:t>), (x</a:t>
+            </a:r>
+            <a:r>
+              <a:rPr lang="en-US" baseline="30000" dirty="0" smtClean="0"/>
+              <a:t>(2)</a:t>
+            </a:r>
+            <a:r>
+              <a:rPr lang="en-US" dirty="0" smtClean="0"/>
+              <a:t>,y</a:t>
+            </a:r>
+            <a:r>
+              <a:rPr lang="en-US" baseline="30000" dirty="0" smtClean="0"/>
+              <a:t>(2)</a:t>
+            </a:r>
+            <a:r>
+              <a:rPr lang="en-US" dirty="0" smtClean="0"/>
+              <a:t>), …, (x</a:t>
+            </a:r>
+            <a:r>
+              <a:rPr lang="en-US" baseline="30000" dirty="0" smtClean="0"/>
+              <a:t>(m)</a:t>
+            </a:r>
+            <a:r>
+              <a:rPr lang="en-US" dirty="0" smtClean="0"/>
+              <a:t>,y</a:t>
+            </a:r>
+            <a:r>
+              <a:rPr lang="en-US" baseline="30000" dirty="0" smtClean="0"/>
+              <a:t>(m)</a:t>
+            </a:r>
+            <a:r>
+              <a:rPr lang="en-US" dirty="0" smtClean="0"/>
+              <a:t>)}</a:t>
+            </a:r>
+          </a:p>
+          <a:p>
+            <a:r>
+              <a:rPr lang="en-US" dirty="0" smtClean="0"/>
+              <a:t>Labeled dataset</a:t>
+            </a:r>
+          </a:p>
+          <a:p>
+            <a:endParaRPr lang="en-US" dirty="0"/>
+          </a:p>
+        </p:txBody>
+      </p:sp>
+      <p:pic>
+        <p:nvPicPr>
+          <p:cNvPr id="5" name="Picture 4" descr="SupervisedLearning.png"/>
+          <p:cNvPicPr>
+            <a:picLocks noChangeAspect="1"/>
+          </p:cNvPicPr>
+          <p:nvPr/>
+        </p:nvPicPr>
+        <p:blipFill>
+          <a:blip r:embed="rId2"/>
+          <a:stretch>
+            <a:fillRect/>
+          </a:stretch>
+        </p:blipFill>
+        <p:spPr>
+          <a:xfrm>
+            <a:off x="838200" y="2971800"/>
+            <a:ext cx="7467600" cy="3733800"/>
+          </a:xfrm>
+          <a:prstGeom prst="rect">
+            <a:avLst/>
+          </a:prstGeom>
+        </p:spPr>
+      </p:pic>
+      <p:sp>
+        <p:nvSpPr>
+          <p:cNvPr id="6" name="Text Box 10"/>
+          <p:cNvSpPr txBox="1">
+            <a:spLocks noChangeArrowheads="1"/>
+          </p:cNvSpPr>
+          <p:nvPr/>
+        </p:nvSpPr>
+        <p:spPr bwMode="auto">
+          <a:xfrm rot="10800000" flipV="1">
+            <a:off x="0" y="6519446"/>
+            <a:ext cx="1828800" cy="338554"/>
+          </a:xfrm>
+          <a:prstGeom prst="rect">
+            <a:avLst/>
+          </a:prstGeom>
+          <a:noFill/>
+          <a:ln w="9525">
+            <a:noFill/>
+            <a:miter lim="800000"/>
+            <a:headEnd/>
+            <a:tailEnd/>
+          </a:ln>
+          <a:effectLst/>
+        </p:spPr>
+        <p:txBody>
+          <a:bodyPr wrap="square">
+            <a:spAutoFit/>
+          </a:bodyPr>
+          <a:lstStyle/>
+          <a:p>
+            <a:pPr>
+              <a:spcBef>
+                <a:spcPct val="50000"/>
+              </a:spcBef>
+            </a:pPr>
+            <a:r>
+              <a:rPr lang="en-US" sz="1600" b="1" dirty="0">
+                <a:solidFill>
+                  <a:srgbClr val="FF0000"/>
+                </a:solidFill>
+              </a:rPr>
+              <a:t>Image </a:t>
+            </a:r>
+            <a:r>
+              <a:rPr lang="en-US" sz="1600" b="1" dirty="0" err="1" smtClean="0">
+                <a:solidFill>
+                  <a:srgbClr val="FF0000"/>
+                </a:solidFill>
+              </a:rPr>
+              <a:t>ack</a:t>
+            </a:r>
+            <a:r>
+              <a:rPr lang="en-US" sz="1600" b="1" dirty="0" smtClean="0">
+                <a:solidFill>
+                  <a:srgbClr val="FF0000"/>
+                </a:solidFill>
+              </a:rPr>
+              <a:t> – Google</a:t>
+            </a:r>
+            <a:endParaRPr lang="en-US" sz="1600" b="1" dirty="0">
+              <a:solidFill>
+                <a:srgbClr val="FF0000"/>
+              </a:solidFill>
+            </a:endParaRPr>
+          </a:p>
+        </p:txBody>
+      </p:sp>
+    </p:spTree>
+  </p:cSld>
+  <p:clrMapOvr>
+    <a:masterClrMapping/>
+  </p:clrMapOvr>
+  <p:timing>
+    <p:tnLst>
+      <p:par>
+        <p:cTn id="1" dur="indefinite" restart="never" nodeType="tmRoot"/>
+      </p:par>
+    </p:tnLst>
+  </p:timing>
+</p:sld>
+</file>
+
+<file path=ppt/slides/slide4.xml><?xml version="1.0" encoding="utf-8"?>
+<p:sld xmlns:a="http://schemas.openxmlformats.org/drawingml/2006/main" xmlns:r="http://schemas.openxmlformats.org/officeDocument/2006/relationships" xmlns:p="http://schemas.openxmlformats.org/presentationml/2006/main">
+  <p:cSld>
+    <p:spTree>
+      <p:nvGrpSpPr>
+        <p:cNvPr id="1" name=""/>
+        <p:cNvGrpSpPr/>
+        <p:nvPr/>
+      </p:nvGrpSpPr>
+      <p:grpSpPr>
+        <a:xfrm>
+          <a:off x="0" y="0"/>
+          <a:ext cx="0" cy="0"/>
+          <a:chOff x="0" y="0"/>
+          <a:chExt cx="0" cy="0"/>
+        </a:xfrm>
+      </p:grpSpPr>
+      <p:sp>
+        <p:nvSpPr>
+          <p:cNvPr id="2" name="Title 1"/>
+          <p:cNvSpPr>
+            <a:spLocks noGrp="1"/>
+          </p:cNvSpPr>
+          <p:nvPr>
+            <p:ph type="title"/>
+          </p:nvPr>
+        </p:nvSpPr>
+        <p:spPr/>
+        <p:txBody>
+          <a:bodyPr/>
+          <a:lstStyle/>
+          <a:p>
+            <a:r>
+              <a:rPr lang="en-US" dirty="0" smtClean="0"/>
+              <a:t>Decision Tree</a:t>
+            </a:r>
+            <a:endParaRPr lang="en-US" dirty="0"/>
+          </a:p>
+        </p:txBody>
+      </p:sp>
+      <p:sp>
+        <p:nvSpPr>
+          <p:cNvPr id="4" name="Content Placeholder 3"/>
+          <p:cNvSpPr>
+            <a:spLocks noGrp="1"/>
+          </p:cNvSpPr>
+          <p:nvPr>
+            <p:ph idx="1"/>
+          </p:nvPr>
+        </p:nvSpPr>
+        <p:spPr/>
+        <p:txBody>
+          <a:bodyPr/>
+          <a:lstStyle/>
+          <a:p>
+            <a:endParaRPr lang="en-US" dirty="0" smtClean="0"/>
+          </a:p>
+          <a:p>
+            <a:endParaRPr lang="en-US" dirty="0"/>
+          </a:p>
+        </p:txBody>
+      </p:sp>
+    </p:spTree>
+  </p:cSld>
+  <p:clrMapOvr>
+    <a:masterClrMapping/>
+  </p:clrMapOvr>
+  <p:timing>
+    <p:tnLst>
+      <p:par>
+        <p:cTn id="1" dur="indefinite" restart="never" nodeType="tmRoot"/>
+      </p:par>
+    </p:tnLst>
+  </p:timing>
+</p:sld>
+</file>
+
+<file path=ppt/slides/slide5.xml><?xml version="1.0" encoding="utf-8"?>
+<p:sld xmlns:a="http://schemas.openxmlformats.org/drawingml/2006/main" xmlns:r="http://schemas.openxmlformats.org/officeDocument/2006/relationships" xmlns:p="http://schemas.openxmlformats.org/presentationml/2006/main">
+  <p:cSld>
+    <p:spTree>
+      <p:nvGrpSpPr>
+        <p:cNvPr id="1" name=""/>
+        <p:cNvGrpSpPr/>
+        <p:nvPr/>
+      </p:nvGrpSpPr>
+      <p:grpSpPr>
+        <a:xfrm>
+          <a:off x="0" y="0"/>
+          <a:ext cx="0" cy="0"/>
+          <a:chOff x="0" y="0"/>
+          <a:chExt cx="0" cy="0"/>
+        </a:xfrm>
+      </p:grpSpPr>
+      <p:sp>
+        <p:nvSpPr>
+          <p:cNvPr id="2" name="Title 1"/>
+          <p:cNvSpPr>
+            <a:spLocks noGrp="1"/>
+          </p:cNvSpPr>
+          <p:nvPr>
+            <p:ph type="title"/>
+          </p:nvPr>
+        </p:nvSpPr>
+        <p:spPr/>
+        <p:txBody>
+          <a:bodyPr/>
+          <a:lstStyle/>
+          <a:p>
+            <a:r>
+              <a:rPr lang="en-US" dirty="0" smtClean="0"/>
+              <a:t>Advantages</a:t>
+            </a:r>
+            <a:endParaRPr lang="en-US" dirty="0"/>
+          </a:p>
+        </p:txBody>
+      </p:sp>
+      <p:sp>
+        <p:nvSpPr>
+          <p:cNvPr id="4" name="Content Placeholder 3"/>
+          <p:cNvSpPr>
+            <a:spLocks noGrp="1"/>
+          </p:cNvSpPr>
+          <p:nvPr>
+            <p:ph idx="1"/>
+          </p:nvPr>
+        </p:nvSpPr>
+        <p:spPr/>
+        <p:txBody>
+          <a:bodyPr/>
+          <a:lstStyle/>
+          <a:p>
+            <a:endParaRPr lang="en-US" dirty="0" smtClean="0"/>
+          </a:p>
+          <a:p>
+            <a:endParaRPr lang="en-US" dirty="0"/>
+          </a:p>
+        </p:txBody>
+      </p:sp>
+    </p:spTree>
+  </p:cSld>
+  <p:clrMapOvr>
+    <a:masterClrMapping/>
+  </p:clrMapOvr>
+  <p:timing>
+    <p:tnLst>
+      <p:par>
+        <p:cTn id="1" dur="indefinite" restart="never" nodeType="tmRoot"/>
+      </p:par>
+    </p:tnLst>
+  </p:timing>
+</p:sld>
+</file>
+
+<file path=ppt/slides/slide6.xml><?xml version="1.0" encoding="utf-8"?>
+<p:sld xmlns:a="http://schemas.openxmlformats.org/drawingml/2006/main" xmlns:r="http://schemas.openxmlformats.org/officeDocument/2006/relationships" xmlns:p="http://schemas.openxmlformats.org/presentationml/2006/main">
+  <p:cSld>
+    <p:spTree>
+      <p:nvGrpSpPr>
+        <p:cNvPr id="1" name=""/>
+        <p:cNvGrpSpPr/>
+        <p:nvPr/>
+      </p:nvGrpSpPr>
+      <p:grpSpPr>
+        <a:xfrm>
+          <a:off x="0" y="0"/>
+          <a:ext cx="0" cy="0"/>
+          <a:chOff x="0" y="0"/>
+          <a:chExt cx="0" cy="0"/>
+        </a:xfrm>
+      </p:grpSpPr>
+      <p:sp>
+        <p:nvSpPr>
+          <p:cNvPr id="2" name="Title 1"/>
+          <p:cNvSpPr>
+            <a:spLocks noGrp="1"/>
+          </p:cNvSpPr>
+          <p:nvPr>
+            <p:ph type="title"/>
+          </p:nvPr>
+        </p:nvSpPr>
+        <p:spPr/>
+        <p:txBody>
+          <a:bodyPr/>
+          <a:lstStyle/>
+          <a:p>
+            <a:r>
+              <a:rPr lang="en-US" dirty="0" smtClean="0"/>
+              <a:t>Disadvantages</a:t>
+            </a:r>
+            <a:endParaRPr lang="en-US" dirty="0"/>
+          </a:p>
+        </p:txBody>
+      </p:sp>
+      <p:sp>
+        <p:nvSpPr>
+          <p:cNvPr id="4" name="Content Placeholder 3"/>
+          <p:cNvSpPr>
+            <a:spLocks noGrp="1"/>
+          </p:cNvSpPr>
+          <p:nvPr>
+            <p:ph idx="1"/>
+          </p:nvPr>
+        </p:nvSpPr>
+        <p:spPr/>
+        <p:txBody>
+          <a:bodyPr/>
+          <a:lstStyle/>
+          <a:p>
+            <a:endParaRPr lang="en-US" dirty="0" smtClean="0"/>
+          </a:p>
+          <a:p>
+            <a:endParaRPr lang="en-US" dirty="0"/>
+          </a:p>
+        </p:txBody>
+      </p:sp>
+    </p:spTree>
+  </p:cSld>
+  <p:clrMapOvr>
+    <a:masterClrMapping/>
+  </p:clrMapOvr>
+  <p:timing>
+    <p:tnLst>
+      <p:par>
+        <p:cTn id="1" dur="indefinite" restart="never" nodeType="tmRoot"/>
+      </p:par>
+    </p:tnLst>
+  </p:timing>
+</p:sld>
+</file>
+
+<file path=ppt/slides/slide7.xml><?xml version="1.0" encoding="utf-8"?>
 <p:sld xmlns:a="http://schemas.openxmlformats.org/drawingml/2006/main" xmlns:r="http://schemas.openxmlformats.org/officeDocument/2006/relationships" xmlns:p="http://schemas.openxmlformats.org/presentationml/2006/main">
   <p:cSld>
     <p:spTree>

--- a/MachineLearning/DecisionTree.pptx
+++ b/MachineLearning/DecisionTree.pptx
@@ -3876,10 +3876,124 @@
           <a:bodyPr/>
           <a:lstStyle/>
           <a:p>
+            <a:r>
+              <a:rPr lang="en-US" dirty="0" smtClean="0"/>
+              <a:t>Binary tree</a:t>
+            </a:r>
+          </a:p>
+          <a:p>
+            <a:r>
+              <a:rPr lang="en-US" dirty="0" smtClean="0"/>
+              <a:t>Recursively split dataset</a:t>
+            </a:r>
+          </a:p>
+          <a:p>
+            <a:r>
+              <a:rPr lang="en-US" dirty="0" smtClean="0"/>
+              <a:t>Decision nodes</a:t>
+            </a:r>
+          </a:p>
+          <a:p>
+            <a:r>
+              <a:rPr lang="en-US" dirty="0" smtClean="0"/>
+              <a:t>Pure leaf nodes</a:t>
+            </a:r>
             <a:endParaRPr lang="en-US" dirty="0" smtClean="0"/>
           </a:p>
           <a:p>
             <a:endParaRPr lang="en-US" dirty="0"/>
+          </a:p>
+        </p:txBody>
+      </p:sp>
+      <p:pic>
+        <p:nvPicPr>
+          <p:cNvPr id="5" name="Picture 4" descr="DecisionTree.png"/>
+          <p:cNvPicPr>
+            <a:picLocks noChangeAspect="1"/>
+          </p:cNvPicPr>
+          <p:nvPr/>
+        </p:nvPicPr>
+        <p:blipFill>
+          <a:blip r:embed="rId2"/>
+          <a:stretch>
+            <a:fillRect/>
+          </a:stretch>
+        </p:blipFill>
+        <p:spPr>
+          <a:xfrm>
+            <a:off x="4533900" y="3733800"/>
+            <a:ext cx="4457700" cy="2971800"/>
+          </a:xfrm>
+          <a:prstGeom prst="rect">
+            <a:avLst/>
+          </a:prstGeom>
+        </p:spPr>
+      </p:pic>
+      <p:sp>
+        <p:nvSpPr>
+          <p:cNvPr id="6" name="Text Box 10"/>
+          <p:cNvSpPr txBox="1">
+            <a:spLocks noChangeArrowheads="1"/>
+          </p:cNvSpPr>
+          <p:nvPr/>
+        </p:nvSpPr>
+        <p:spPr bwMode="auto">
+          <a:xfrm rot="10800000" flipV="1">
+            <a:off x="0" y="6519446"/>
+            <a:ext cx="1828800" cy="338554"/>
+          </a:xfrm>
+          <a:prstGeom prst="rect">
+            <a:avLst/>
+          </a:prstGeom>
+          <a:noFill/>
+          <a:ln w="9525">
+            <a:noFill/>
+            <a:miter lim="800000"/>
+            <a:headEnd/>
+            <a:tailEnd/>
+          </a:ln>
+          <a:effectLst/>
+        </p:spPr>
+        <p:txBody>
+          <a:bodyPr wrap="square">
+            <a:spAutoFit/>
+          </a:bodyPr>
+          <a:lstStyle/>
+          <a:p>
+            <a:pPr>
+              <a:spcBef>
+                <a:spcPct val="50000"/>
+              </a:spcBef>
+            </a:pPr>
+            <a:r>
+              <a:rPr lang="en-US" sz="1600" b="1" dirty="0">
+                <a:solidFill>
+                  <a:srgbClr val="FF0000"/>
+                </a:solidFill>
+              </a:rPr>
+              <a:t>Image </a:t>
+            </a:r>
+            <a:r>
+              <a:rPr lang="en-US" sz="1600" b="1" dirty="0" err="1" smtClean="0">
+                <a:solidFill>
+                  <a:srgbClr val="FF0000"/>
+                </a:solidFill>
+              </a:rPr>
+              <a:t>ack</a:t>
+            </a:r>
+            <a:r>
+              <a:rPr lang="en-US" sz="1600" b="1" dirty="0" smtClean="0">
+                <a:solidFill>
+                  <a:srgbClr val="FF0000"/>
+                </a:solidFill>
+              </a:rPr>
+              <a:t> – Google</a:t>
+            </a:r>
+            <a:endParaRPr lang="en-US" sz="1600" b="1" dirty="0">
+              <a:solidFill>
+                <a:srgbClr val="FF0000"/>
+              </a:solidFill>
+            </a:endParaRPr>
           </a:p>
         </p:txBody>
       </p:sp>

--- a/MachineLearning/DecisionTree.pptx
+++ b/MachineLearning/DecisionTree.pptx
@@ -5,16 +5,17 @@
     <p:sldMasterId id="2147483648" r:id="rId1"/>
   </p:sldMasterIdLst>
   <p:notesMasterIdLst>
-    <p:notesMasterId r:id="rId9"/>
+    <p:notesMasterId r:id="rId10"/>
   </p:notesMasterIdLst>
   <p:sldIdLst>
     <p:sldId id="256" r:id="rId2"/>
     <p:sldId id="268" r:id="rId3"/>
     <p:sldId id="270" r:id="rId4"/>
     <p:sldId id="272" r:id="rId5"/>
-    <p:sldId id="271" r:id="rId6"/>
-    <p:sldId id="273" r:id="rId7"/>
-    <p:sldId id="269" r:id="rId8"/>
+    <p:sldId id="274" r:id="rId6"/>
+    <p:sldId id="271" r:id="rId7"/>
+    <p:sldId id="273" r:id="rId8"/>
+    <p:sldId id="269" r:id="rId9"/>
   </p:sldIdLst>
   <p:sldSz cx="9144000" cy="6858000" type="screen4x3"/>
   <p:notesSz cx="6858000" cy="9144000"/>
@@ -3574,6 +3575,16 @@
           <a:p>
             <a:r>
               <a:rPr lang="en-US" dirty="0" smtClean="0"/>
+              <a:t>Optimization </a:t>
+            </a:r>
+            <a:r>
+              <a:rPr lang="en-US" dirty="0" smtClean="0"/>
+              <a:t>objective</a:t>
+            </a:r>
+          </a:p>
+          <a:p>
+            <a:r>
+              <a:rPr lang="en-US" dirty="0" smtClean="0"/>
               <a:t>Advantages and disadvantages</a:t>
             </a:r>
             <a:endParaRPr lang="en-US" dirty="0"/>
@@ -3873,7 +3884,9 @@
         </p:nvSpPr>
         <p:spPr/>
         <p:txBody>
-          <a:bodyPr/>
+          <a:bodyPr>
+            <a:normAutofit lnSpcReduction="10000"/>
+          </a:bodyPr>
           <a:lstStyle/>
           <a:p>
             <a:r>
@@ -3890,13 +3903,69 @@
           <a:p>
             <a:r>
               <a:rPr lang="en-US" dirty="0" smtClean="0"/>
-              <a:t>Decision nodes</a:t>
-            </a:r>
-          </a:p>
-          <a:p>
+              <a:t>Decision nodes </a:t>
+            </a:r>
+          </a:p>
+          <a:p>
+            <a:pPr lvl="1"/>
             <a:r>
               <a:rPr lang="en-US" dirty="0" smtClean="0"/>
-              <a:t>Pure leaf nodes</a:t>
+              <a:t>Split dataset</a:t>
+            </a:r>
+          </a:p>
+          <a:p>
+            <a:pPr lvl="1"/>
+            <a:r>
+              <a:rPr lang="en-US" dirty="0" smtClean="0"/>
+              <a:t>Select feature</a:t>
+            </a:r>
+          </a:p>
+          <a:p>
+            <a:pPr lvl="1"/>
+            <a:r>
+              <a:rPr lang="en-US" dirty="0" smtClean="0"/>
+              <a:t>Select split condition</a:t>
+            </a:r>
+            <a:endParaRPr lang="en-US" dirty="0" smtClean="0"/>
+          </a:p>
+          <a:p>
+            <a:r>
+              <a:rPr lang="en-US" dirty="0" smtClean="0"/>
+              <a:t>Pure leaf nodes </a:t>
+            </a:r>
+          </a:p>
+          <a:p>
+            <a:pPr lvl="1"/>
+            <a:r>
+              <a:rPr lang="en-US" dirty="0" smtClean="0"/>
+              <a:t>Class of </a:t>
+            </a:r>
+            <a:r>
+              <a:rPr lang="en-US" dirty="0" smtClean="0"/>
+              <a:t>dataset </a:t>
+            </a:r>
+            <a:r>
+              <a:rPr lang="en-US" dirty="0" smtClean="0"/>
+              <a:t>sample – Classification tree</a:t>
+            </a:r>
+          </a:p>
+          <a:p>
+            <a:pPr lvl="1"/>
+            <a:r>
+              <a:rPr lang="en-US" dirty="0" smtClean="0"/>
+              <a:t>Value </a:t>
+            </a:r>
+            <a:r>
+              <a:rPr lang="en-US" dirty="0" smtClean="0"/>
+              <a:t>of dataset </a:t>
+            </a:r>
+            <a:r>
+              <a:rPr lang="en-US" dirty="0" smtClean="0"/>
+              <a:t>sample – </a:t>
+            </a:r>
+            <a:r>
+              <a:rPr lang="en-US" smtClean="0"/>
+              <a:t>Regression tree</a:t>
             </a:r>
             <a:endParaRPr lang="en-US" dirty="0" smtClean="0"/>
           </a:p>
@@ -3921,7 +3990,7 @@
         </p:blipFill>
         <p:spPr>
           <a:xfrm>
-            <a:off x="4533900" y="3733800"/>
+            <a:off x="4533900" y="2209800"/>
             <a:ext cx="4457700" cy="2971800"/>
           </a:xfrm>
           <a:prstGeom prst="rect">
@@ -4046,7 +4115,7 @@
           <a:p>
             <a:r>
               <a:rPr lang="en-US" dirty="0" smtClean="0"/>
-              <a:t>Advantages</a:t>
+              <a:t>Optimization objective</a:t>
             </a:r>
             <a:endParaRPr lang="en-US" dirty="0"/>
           </a:p>
@@ -4064,12 +4133,19 @@
         </p:nvSpPr>
         <p:spPr/>
         <p:txBody>
-          <a:bodyPr/>
-          <a:lstStyle/>
-          <a:p>
-            <a:endParaRPr lang="en-US" dirty="0" smtClean="0"/>
-          </a:p>
-          <a:p>
+          <a:bodyPr>
+            <a:normAutofit/>
+          </a:bodyPr>
+          <a:lstStyle/>
+          <a:p>
+            <a:r>
+              <a:rPr lang="en-US" dirty="0" smtClean="0"/>
+              <a:t>Maximize information </a:t>
+            </a:r>
+            <a:r>
+              <a:rPr lang="en-US" dirty="0" smtClean="0"/>
+              <a:t>gain</a:t>
+            </a:r>
             <a:endParaRPr lang="en-US" dirty="0"/>
           </a:p>
         </p:txBody>
@@ -4123,7 +4199,7 @@
           <a:p>
             <a:r>
               <a:rPr lang="en-US" dirty="0" smtClean="0"/>
-              <a:t>Disadvantages</a:t>
+              <a:t>Advantages</a:t>
             </a:r>
             <a:endParaRPr lang="en-US" dirty="0"/>
           </a:p>
@@ -4167,6 +4243,83 @@
 </file>
 
 <file path=ppt/slides/slide7.xml><?xml version="1.0" encoding="utf-8"?>
+<p:sld xmlns:a="http://schemas.openxmlformats.org/drawingml/2006/main" xmlns:r="http://schemas.openxmlformats.org/officeDocument/2006/relationships" xmlns:p="http://schemas.openxmlformats.org/presentationml/2006/main">
+  <p:cSld>
+    <p:spTree>
+      <p:nvGrpSpPr>
+        <p:cNvPr id="1" name=""/>
+        <p:cNvGrpSpPr/>
+        <p:nvPr/>
+      </p:nvGrpSpPr>
+      <p:grpSpPr>
+        <a:xfrm>
+          <a:off x="0" y="0"/>
+          <a:ext cx="0" cy="0"/>
+          <a:chOff x="0" y="0"/>
+          <a:chExt cx="0" cy="0"/>
+        </a:xfrm>
+      </p:grpSpPr>
+      <p:sp>
+        <p:nvSpPr>
+          <p:cNvPr id="2" name="Title 1"/>
+          <p:cNvSpPr>
+            <a:spLocks noGrp="1"/>
+          </p:cNvSpPr>
+          <p:nvPr>
+            <p:ph type="title"/>
+          </p:nvPr>
+        </p:nvSpPr>
+        <p:spPr/>
+        <p:txBody>
+          <a:bodyPr/>
+          <a:lstStyle/>
+          <a:p>
+            <a:r>
+              <a:rPr lang="en-US" dirty="0" smtClean="0"/>
+              <a:t>Disadvantages</a:t>
+            </a:r>
+            <a:endParaRPr lang="en-US" dirty="0"/>
+          </a:p>
+        </p:txBody>
+      </p:sp>
+      <p:sp>
+        <p:nvSpPr>
+          <p:cNvPr id="4" name="Content Placeholder 3"/>
+          <p:cNvSpPr>
+            <a:spLocks noGrp="1"/>
+          </p:cNvSpPr>
+          <p:nvPr>
+            <p:ph idx="1"/>
+          </p:nvPr>
+        </p:nvSpPr>
+        <p:spPr/>
+        <p:txBody>
+          <a:bodyPr/>
+          <a:lstStyle/>
+          <a:p>
+            <a:endParaRPr lang="en-US" dirty="0" smtClean="0"/>
+          </a:p>
+          <a:p>
+            <a:endParaRPr lang="en-US" dirty="0"/>
+          </a:p>
+        </p:txBody>
+      </p:sp>
+    </p:spTree>
+  </p:cSld>
+  <p:clrMapOvr>
+    <a:masterClrMapping/>
+  </p:clrMapOvr>
+  <p:timing>
+    <p:tnLst>
+      <p:par>
+        <p:cTn id="1" dur="indefinite" restart="never" nodeType="tmRoot"/>
+      </p:par>
+    </p:tnLst>
+  </p:timing>
+</p:sld>
+</file>
+
+<file path=ppt/slides/slide8.xml><?xml version="1.0" encoding="utf-8"?>
 <p:sld xmlns:a="http://schemas.openxmlformats.org/drawingml/2006/main" xmlns:r="http://schemas.openxmlformats.org/officeDocument/2006/relationships" xmlns:p="http://schemas.openxmlformats.org/presentationml/2006/main">
   <p:cSld>
     <p:spTree>

--- a/MachineLearning/DecisionTree.pptx
+++ b/MachineLearning/DecisionTree.pptx
@@ -5,17 +5,18 @@
     <p:sldMasterId id="2147483648" r:id="rId1"/>
   </p:sldMasterIdLst>
   <p:notesMasterIdLst>
-    <p:notesMasterId r:id="rId10"/>
+    <p:notesMasterId r:id="rId11"/>
   </p:notesMasterIdLst>
   <p:sldIdLst>
     <p:sldId id="256" r:id="rId2"/>
     <p:sldId id="268" r:id="rId3"/>
     <p:sldId id="270" r:id="rId4"/>
     <p:sldId id="272" r:id="rId5"/>
-    <p:sldId id="274" r:id="rId6"/>
-    <p:sldId id="271" r:id="rId7"/>
-    <p:sldId id="273" r:id="rId8"/>
-    <p:sldId id="269" r:id="rId9"/>
+    <p:sldId id="275" r:id="rId6"/>
+    <p:sldId id="274" r:id="rId7"/>
+    <p:sldId id="271" r:id="rId8"/>
+    <p:sldId id="273" r:id="rId9"/>
+    <p:sldId id="269" r:id="rId10"/>
   </p:sldIdLst>
   <p:sldSz cx="9144000" cy="6858000" type="screen4x3"/>
   <p:notesSz cx="6858000" cy="9144000"/>
@@ -3961,11 +3962,7 @@
             </a:r>
             <a:r>
               <a:rPr lang="en-US" dirty="0" smtClean="0"/>
-              <a:t>sample – </a:t>
-            </a:r>
-            <a:r>
-              <a:rPr lang="en-US" smtClean="0"/>
-              <a:t>Regression tree</a:t>
+              <a:t>sample – Regression tree</a:t>
             </a:r>
             <a:endParaRPr lang="en-US" dirty="0" smtClean="0"/>
           </a:p>
@@ -4140,16 +4137,85 @@
           <a:p>
             <a:r>
               <a:rPr lang="en-US" dirty="0" smtClean="0"/>
-              <a:t>Maximize information </a:t>
-            </a:r>
-            <a:r>
-              <a:rPr lang="en-US" dirty="0" smtClean="0"/>
-              <a:t>gain</a:t>
-            </a:r>
+              <a:t>Entropy </a:t>
+            </a:r>
+          </a:p>
+          <a:p>
+            <a:pPr lvl="1"/>
+            <a:r>
+              <a:rPr lang="en-US" dirty="0" smtClean="0"/>
+              <a:t>Measure of information contained in a state</a:t>
+            </a:r>
+          </a:p>
+          <a:p>
+            <a:pPr lvl="1"/>
+            <a:r>
+              <a:rPr lang="en-US" dirty="0" smtClean="0"/>
+              <a:t>High entropy – High uncertainty – More info</a:t>
+            </a:r>
+          </a:p>
+          <a:p>
+            <a:pPr lvl="1"/>
+            <a:r>
+              <a:rPr lang="en-US" dirty="0" smtClean="0"/>
+              <a:t>Less </a:t>
+            </a:r>
+            <a:r>
+              <a:rPr lang="en-US" dirty="0" smtClean="0"/>
+              <a:t>entropy </a:t>
+            </a:r>
+            <a:r>
+              <a:rPr lang="en-US" dirty="0" smtClean="0"/>
+              <a:t>– </a:t>
+            </a:r>
+            <a:r>
+              <a:rPr lang="en-US" dirty="0" smtClean="0"/>
+              <a:t>Less uncertainty </a:t>
+            </a:r>
+            <a:r>
+              <a:rPr lang="en-US" dirty="0" smtClean="0"/>
+              <a:t>– </a:t>
+            </a:r>
+            <a:r>
+              <a:rPr lang="en-US" dirty="0" smtClean="0"/>
+              <a:t>Less info</a:t>
+            </a:r>
+          </a:p>
+          <a:p>
+            <a:pPr lvl="1"/>
+            <a:r>
+              <a:rPr lang="en-US" dirty="0" smtClean="0"/>
+              <a:t>Pure node – Less entropy</a:t>
+            </a:r>
+          </a:p>
+          <a:p>
+            <a:endParaRPr lang="en-US" dirty="0" smtClean="0"/>
+          </a:p>
+          <a:p>
             <a:endParaRPr lang="en-US" dirty="0"/>
           </a:p>
         </p:txBody>
       </p:sp>
+      <p:graphicFrame>
+        <p:nvGraphicFramePr>
+          <p:cNvPr id="7" name="Object 6"/>
+          <p:cNvGraphicFramePr>
+            <a:graphicFrameLocks noChangeAspect="1"/>
+          </p:cNvGraphicFramePr>
+          <p:nvPr/>
+        </p:nvGraphicFramePr>
+        <p:xfrm>
+          <a:off x="2752725" y="4343400"/>
+          <a:ext cx="3419475" cy="990600"/>
+        </p:xfrm>
+        <a:graphic>
+          <a:graphicData uri="http://schemas.openxmlformats.org/presentationml/2006/ole">
+            <p:oleObj spid="_x0000_s2050" name="Equation" r:id="rId3" imgW="2019240" imgH="583920" progId="Equation.3">
+              <p:embed/>
+            </p:oleObj>
+          </a:graphicData>
+        </a:graphic>
+      </p:graphicFrame>
     </p:spTree>
   </p:cSld>
   <p:clrMapOvr>
@@ -4199,7 +4265,7 @@
           <a:p>
             <a:r>
               <a:rPr lang="en-US" dirty="0" smtClean="0"/>
-              <a:t>Advantages</a:t>
+              <a:t>Optimization objective</a:t>
             </a:r>
             <a:endParaRPr lang="en-US" dirty="0"/>
           </a:p>
@@ -4217,9 +4283,49 @@
         </p:nvSpPr>
         <p:spPr/>
         <p:txBody>
-          <a:bodyPr/>
-          <a:lstStyle/>
-          <a:p>
+          <a:bodyPr>
+            <a:normAutofit/>
+          </a:bodyPr>
+          <a:lstStyle/>
+          <a:p>
+            <a:r>
+              <a:rPr lang="en-US" dirty="0" smtClean="0"/>
+              <a:t>Maximize information gain</a:t>
+            </a:r>
+          </a:p>
+          <a:p>
+            <a:r>
+              <a:rPr lang="en-US" dirty="0" smtClean="0"/>
+              <a:t>Information gain</a:t>
+            </a:r>
+          </a:p>
+          <a:p>
+            <a:r>
+              <a:rPr lang="en-US" dirty="0" smtClean="0"/>
+              <a:t>Entropy</a:t>
+            </a:r>
+          </a:p>
+          <a:p>
+            <a:r>
+              <a:rPr lang="en-US" dirty="0" smtClean="0"/>
+              <a:t>Parent entropy</a:t>
+            </a:r>
+          </a:p>
+          <a:p>
+            <a:r>
+              <a:rPr lang="en-US" dirty="0" smtClean="0"/>
+              <a:t>Weighted child entropy</a:t>
+            </a:r>
+          </a:p>
+          <a:p>
+            <a:r>
+              <a:rPr lang="en-US" dirty="0" smtClean="0"/>
+              <a:t>Weight – </a:t>
+            </a:r>
+            <a:r>
+              <a:rPr lang="en-US" smtClean="0"/>
+              <a:t>Relative size</a:t>
+            </a:r>
             <a:endParaRPr lang="en-US" dirty="0" smtClean="0"/>
           </a:p>
           <a:p>
@@ -4227,6 +4333,26 @@
           </a:p>
         </p:txBody>
       </p:sp>
+      <p:graphicFrame>
+        <p:nvGraphicFramePr>
+          <p:cNvPr id="7" name="Object 6"/>
+          <p:cNvGraphicFramePr>
+            <a:graphicFrameLocks noChangeAspect="1"/>
+          </p:cNvGraphicFramePr>
+          <p:nvPr/>
+        </p:nvGraphicFramePr>
+        <p:xfrm>
+          <a:off x="5181600" y="3302000"/>
+          <a:ext cx="3741738" cy="3403600"/>
+        </p:xfrm>
+        <a:graphic>
+          <a:graphicData uri="http://schemas.openxmlformats.org/presentationml/2006/ole">
+            <p:oleObj spid="_x0000_s1026" name="Equation" r:id="rId3" imgW="2209680" imgH="2006280" progId="Equation.3">
+              <p:embed/>
+            </p:oleObj>
+          </a:graphicData>
+        </a:graphic>
+      </p:graphicFrame>
     </p:spTree>
   </p:cSld>
   <p:clrMapOvr>
@@ -4276,7 +4402,7 @@
           <a:p>
             <a:r>
               <a:rPr lang="en-US" dirty="0" smtClean="0"/>
-              <a:t>Disadvantages</a:t>
+              <a:t>Advantages</a:t>
             </a:r>
             <a:endParaRPr lang="en-US" dirty="0"/>
           </a:p>
@@ -4320,6 +4446,83 @@
 </file>
 
 <file path=ppt/slides/slide8.xml><?xml version="1.0" encoding="utf-8"?>
+<p:sld xmlns:a="http://schemas.openxmlformats.org/drawingml/2006/main" xmlns:r="http://schemas.openxmlformats.org/officeDocument/2006/relationships" xmlns:p="http://schemas.openxmlformats.org/presentationml/2006/main">
+  <p:cSld>
+    <p:spTree>
+      <p:nvGrpSpPr>
+        <p:cNvPr id="1" name=""/>
+        <p:cNvGrpSpPr/>
+        <p:nvPr/>
+      </p:nvGrpSpPr>
+      <p:grpSpPr>
+        <a:xfrm>
+          <a:off x="0" y="0"/>
+          <a:ext cx="0" cy="0"/>
+          <a:chOff x="0" y="0"/>
+          <a:chExt cx="0" cy="0"/>
+        </a:xfrm>
+      </p:grpSpPr>
+      <p:sp>
+        <p:nvSpPr>
+          <p:cNvPr id="2" name="Title 1"/>
+          <p:cNvSpPr>
+            <a:spLocks noGrp="1"/>
+          </p:cNvSpPr>
+          <p:nvPr>
+            <p:ph type="title"/>
+          </p:nvPr>
+        </p:nvSpPr>
+        <p:spPr/>
+        <p:txBody>
+          <a:bodyPr/>
+          <a:lstStyle/>
+          <a:p>
+            <a:r>
+              <a:rPr lang="en-US" dirty="0" smtClean="0"/>
+              <a:t>Disadvantages</a:t>
+            </a:r>
+            <a:endParaRPr lang="en-US" dirty="0"/>
+          </a:p>
+        </p:txBody>
+      </p:sp>
+      <p:sp>
+        <p:nvSpPr>
+          <p:cNvPr id="4" name="Content Placeholder 3"/>
+          <p:cNvSpPr>
+            <a:spLocks noGrp="1"/>
+          </p:cNvSpPr>
+          <p:nvPr>
+            <p:ph idx="1"/>
+          </p:nvPr>
+        </p:nvSpPr>
+        <p:spPr/>
+        <p:txBody>
+          <a:bodyPr/>
+          <a:lstStyle/>
+          <a:p>
+            <a:endParaRPr lang="en-US" dirty="0" smtClean="0"/>
+          </a:p>
+          <a:p>
+            <a:endParaRPr lang="en-US" dirty="0"/>
+          </a:p>
+        </p:txBody>
+      </p:sp>
+    </p:spTree>
+  </p:cSld>
+  <p:clrMapOvr>
+    <a:masterClrMapping/>
+  </p:clrMapOvr>
+  <p:timing>
+    <p:tnLst>
+      <p:par>
+        <p:cTn id="1" dur="indefinite" restart="never" nodeType="tmRoot"/>
+      </p:par>
+    </p:tnLst>
+  </p:timing>
+</p:sld>
+</file>
+
+<file path=ppt/slides/slide9.xml><?xml version="1.0" encoding="utf-8"?>
 <p:sld xmlns:a="http://schemas.openxmlformats.org/drawingml/2006/main" xmlns:r="http://schemas.openxmlformats.org/officeDocument/2006/relationships" xmlns:p="http://schemas.openxmlformats.org/presentationml/2006/main">
   <p:cSld>
     <p:spTree>

--- a/MachineLearning/DecisionTree.pptx
+++ b/MachineLearning/DecisionTree.pptx
@@ -5,18 +5,19 @@
     <p:sldMasterId id="2147483648" r:id="rId1"/>
   </p:sldMasterIdLst>
   <p:notesMasterIdLst>
-    <p:notesMasterId r:id="rId11"/>
+    <p:notesMasterId r:id="rId12"/>
   </p:notesMasterIdLst>
   <p:sldIdLst>
     <p:sldId id="256" r:id="rId2"/>
     <p:sldId id="268" r:id="rId3"/>
     <p:sldId id="270" r:id="rId4"/>
     <p:sldId id="272" r:id="rId5"/>
-    <p:sldId id="275" r:id="rId6"/>
-    <p:sldId id="274" r:id="rId7"/>
-    <p:sldId id="271" r:id="rId8"/>
-    <p:sldId id="273" r:id="rId9"/>
-    <p:sldId id="269" r:id="rId10"/>
+    <p:sldId id="276" r:id="rId6"/>
+    <p:sldId id="275" r:id="rId7"/>
+    <p:sldId id="274" r:id="rId8"/>
+    <p:sldId id="271" r:id="rId9"/>
+    <p:sldId id="273" r:id="rId10"/>
+    <p:sldId id="269" r:id="rId11"/>
   </p:sldIdLst>
   <p:sldSz cx="9144000" cy="6858000" type="screen4x3"/>
   <p:notesSz cx="6858000" cy="9144000"/>
@@ -3491,6 +3492,84 @@
 </p:sld>
 </file>
 
+<file path=ppt/slides/slide10.xml><?xml version="1.0" encoding="utf-8"?>
+<p:sld xmlns:a="http://schemas.openxmlformats.org/drawingml/2006/main" xmlns:r="http://schemas.openxmlformats.org/officeDocument/2006/relationships" xmlns:p="http://schemas.openxmlformats.org/presentationml/2006/main">
+  <p:cSld>
+    <p:spTree>
+      <p:nvGrpSpPr>
+        <p:cNvPr id="1" name=""/>
+        <p:cNvGrpSpPr/>
+        <p:nvPr/>
+      </p:nvGrpSpPr>
+      <p:grpSpPr>
+        <a:xfrm>
+          <a:off x="0" y="0"/>
+          <a:ext cx="0" cy="0"/>
+          <a:chOff x="0" y="0"/>
+          <a:chExt cx="0" cy="0"/>
+        </a:xfrm>
+      </p:grpSpPr>
+      <p:sp>
+        <p:nvSpPr>
+          <p:cNvPr id="2" name="Title 1"/>
+          <p:cNvSpPr>
+            <a:spLocks noGrp="1"/>
+          </p:cNvSpPr>
+          <p:nvPr>
+            <p:ph type="ctrTitle"/>
+          </p:nvPr>
+        </p:nvSpPr>
+        <p:spPr/>
+        <p:txBody>
+          <a:bodyPr/>
+          <a:lstStyle/>
+          <a:p>
+            <a:r>
+              <a:rPr lang="en-US" dirty="0" smtClean="0"/>
+              <a:t>Questions?</a:t>
+            </a:r>
+            <a:endParaRPr lang="en-US" dirty="0"/>
+          </a:p>
+        </p:txBody>
+      </p:sp>
+      <p:sp>
+        <p:nvSpPr>
+          <p:cNvPr id="3" name="Subtitle 2"/>
+          <p:cNvSpPr>
+            <a:spLocks noGrp="1"/>
+          </p:cNvSpPr>
+          <p:nvPr>
+            <p:ph type="subTitle" idx="1"/>
+          </p:nvPr>
+        </p:nvSpPr>
+        <p:spPr/>
+        <p:txBody>
+          <a:bodyPr/>
+          <a:lstStyle/>
+          <a:p>
+            <a:r>
+              <a:rPr lang="en-US" dirty="0" smtClean="0"/>
+              <a:t>Thank you</a:t>
+            </a:r>
+            <a:endParaRPr lang="en-US" dirty="0"/>
+          </a:p>
+        </p:txBody>
+      </p:sp>
+    </p:spTree>
+  </p:cSld>
+  <p:clrMapOvr>
+    <a:masterClrMapping/>
+  </p:clrMapOvr>
+  <p:timing>
+    <p:tnLst>
+      <p:par>
+        <p:cTn id="1" dur="indefinite" restart="never" nodeType="tmRoot"/>
+      </p:par>
+    </p:tnLst>
+  </p:timing>
+</p:sld>
+</file>
+
 <file path=ppt/slides/slide2.xml><?xml version="1.0" encoding="utf-8"?>
 <p:sld xmlns:a="http://schemas.openxmlformats.org/drawingml/2006/main" xmlns:r="http://schemas.openxmlformats.org/officeDocument/2006/relationships" xmlns:p="http://schemas.openxmlformats.org/presentationml/2006/main">
   <p:cSld>
@@ -4112,7 +4191,7 @@
           <a:p>
             <a:r>
               <a:rPr lang="en-US" dirty="0" smtClean="0"/>
-              <a:t>Optimization objective</a:t>
+              <a:t>Decision Tree</a:t>
             </a:r>
             <a:endParaRPr lang="en-US" dirty="0"/>
           </a:p>
@@ -4137,85 +4216,48 @@
           <a:p>
             <a:r>
               <a:rPr lang="en-US" dirty="0" smtClean="0"/>
-              <a:t>Entropy </a:t>
+              <a:t>Greedy algorithm</a:t>
             </a:r>
           </a:p>
           <a:p>
             <a:pPr lvl="1"/>
             <a:r>
               <a:rPr lang="en-US" dirty="0" smtClean="0"/>
-              <a:t>Measure of information contained in a state</a:t>
+              <a:t>Select </a:t>
+            </a:r>
+            <a:r>
+              <a:rPr lang="en-US" dirty="0" smtClean="0"/>
+              <a:t>best solution in </a:t>
+            </a:r>
+            <a:r>
+              <a:rPr lang="en-US" dirty="0" smtClean="0"/>
+              <a:t>the current state</a:t>
             </a:r>
           </a:p>
           <a:p>
             <a:pPr lvl="1"/>
             <a:r>
               <a:rPr lang="en-US" dirty="0" smtClean="0"/>
-              <a:t>High entropy – High uncertainty – More info</a:t>
+              <a:t>No back tracking </a:t>
             </a:r>
           </a:p>
           <a:p>
             <a:pPr lvl="1"/>
             <a:r>
               <a:rPr lang="en-US" dirty="0" smtClean="0"/>
-              <a:t>Less </a:t>
-            </a:r>
-            <a:r>
-              <a:rPr lang="en-US" dirty="0" smtClean="0"/>
-              <a:t>entropy </a:t>
-            </a:r>
-            <a:r>
-              <a:rPr lang="en-US" dirty="0" smtClean="0"/>
-              <a:t>– </a:t>
-            </a:r>
-            <a:r>
-              <a:rPr lang="en-US" dirty="0" smtClean="0"/>
-              <a:t>Less uncertainty </a:t>
-            </a:r>
-            <a:r>
-              <a:rPr lang="en-US" dirty="0" smtClean="0"/>
-              <a:t>– </a:t>
-            </a:r>
-            <a:r>
-              <a:rPr lang="en-US" dirty="0" smtClean="0"/>
-              <a:t>Less info</a:t>
+              <a:t>No optimal solution</a:t>
             </a:r>
           </a:p>
           <a:p>
             <a:pPr lvl="1"/>
             <a:r>
               <a:rPr lang="en-US" dirty="0" smtClean="0"/>
-              <a:t>Pure node – Less entropy</a:t>
-            </a:r>
-          </a:p>
-          <a:p>
-            <a:endParaRPr lang="en-US" dirty="0" smtClean="0"/>
-          </a:p>
-          <a:p>
+              <a:t>Faster implementation</a:t>
+            </a:r>
             <a:endParaRPr lang="en-US" dirty="0"/>
           </a:p>
         </p:txBody>
       </p:sp>
-      <p:graphicFrame>
-        <p:nvGraphicFramePr>
-          <p:cNvPr id="7" name="Object 6"/>
-          <p:cNvGraphicFramePr>
-            <a:graphicFrameLocks noChangeAspect="1"/>
-          </p:cNvGraphicFramePr>
-          <p:nvPr/>
-        </p:nvGraphicFramePr>
-        <p:xfrm>
-          <a:off x="2752725" y="4343400"/>
-          <a:ext cx="3419475" cy="990600"/>
-        </p:xfrm>
-        <a:graphic>
-          <a:graphicData uri="http://schemas.openxmlformats.org/presentationml/2006/ole">
-            <p:oleObj spid="_x0000_s2050" name="Equation" r:id="rId3" imgW="2019240" imgH="583920" progId="Equation.3">
-              <p:embed/>
-            </p:oleObj>
-          </a:graphicData>
-        </a:graphic>
-      </p:graphicFrame>
     </p:spTree>
   </p:cSld>
   <p:clrMapOvr>
@@ -4290,42 +4332,72 @@
           <a:p>
             <a:r>
               <a:rPr lang="en-US" dirty="0" smtClean="0"/>
-              <a:t>Maximize information gain</a:t>
-            </a:r>
-          </a:p>
-          <a:p>
-            <a:r>
-              <a:rPr lang="en-US" dirty="0" smtClean="0"/>
-              <a:t>Information gain</a:t>
-            </a:r>
-          </a:p>
-          <a:p>
-            <a:r>
-              <a:rPr lang="en-US" dirty="0" smtClean="0"/>
-              <a:t>Entropy</a:t>
-            </a:r>
-          </a:p>
-          <a:p>
-            <a:r>
-              <a:rPr lang="en-US" dirty="0" smtClean="0"/>
-              <a:t>Parent entropy</a:t>
-            </a:r>
-          </a:p>
-          <a:p>
-            <a:r>
-              <a:rPr lang="en-US" dirty="0" smtClean="0"/>
-              <a:t>Weighted child entropy</a:t>
-            </a:r>
-          </a:p>
-          <a:p>
-            <a:r>
-              <a:rPr lang="en-US" dirty="0" smtClean="0"/>
-              <a:t>Weight – </a:t>
-            </a:r>
-            <a:r>
-              <a:rPr lang="en-US" smtClean="0"/>
-              <a:t>Relative size</a:t>
-            </a:r>
+              <a:t>Entropy </a:t>
+            </a:r>
+          </a:p>
+          <a:p>
+            <a:pPr lvl="1"/>
+            <a:r>
+              <a:rPr lang="en-US" dirty="0" smtClean="0"/>
+              <a:t>Measure of information contained in a state</a:t>
+            </a:r>
+          </a:p>
+          <a:p>
+            <a:pPr lvl="1"/>
+            <a:r>
+              <a:rPr lang="en-US" dirty="0" smtClean="0"/>
+              <a:t>High entropy – High uncertainty – More info</a:t>
+            </a:r>
+          </a:p>
+          <a:p>
+            <a:pPr lvl="1"/>
+            <a:r>
+              <a:rPr lang="en-US" dirty="0" smtClean="0"/>
+              <a:t>Less </a:t>
+            </a:r>
+            <a:r>
+              <a:rPr lang="en-US" dirty="0" smtClean="0"/>
+              <a:t>entropy </a:t>
+            </a:r>
+            <a:r>
+              <a:rPr lang="en-US" dirty="0" smtClean="0"/>
+              <a:t>– </a:t>
+            </a:r>
+            <a:r>
+              <a:rPr lang="en-US" dirty="0" smtClean="0"/>
+              <a:t>Less uncertainty </a:t>
+            </a:r>
+            <a:r>
+              <a:rPr lang="en-US" dirty="0" smtClean="0"/>
+              <a:t>– </a:t>
+            </a:r>
+            <a:r>
+              <a:rPr lang="en-US" dirty="0" smtClean="0"/>
+              <a:t>Less info</a:t>
+            </a:r>
+          </a:p>
+          <a:p>
+            <a:pPr lvl="1"/>
+            <a:r>
+              <a:rPr lang="en-US" dirty="0" smtClean="0"/>
+              <a:t>Root node – Highest entropy</a:t>
+            </a:r>
+          </a:p>
+          <a:p>
+            <a:pPr lvl="1"/>
+            <a:r>
+              <a:rPr lang="en-US" dirty="0" smtClean="0"/>
+              <a:t>Leaf node – Low entropy</a:t>
+            </a:r>
+          </a:p>
+          <a:p>
+            <a:pPr lvl="1"/>
+            <a:r>
+              <a:rPr lang="en-US" dirty="0" smtClean="0"/>
+              <a:t>Pure node – Lowest entropy</a:t>
+            </a:r>
+          </a:p>
+          <a:p>
             <a:endParaRPr lang="en-US" dirty="0" smtClean="0"/>
           </a:p>
           <a:p>
@@ -4342,12 +4414,12 @@
           <p:nvPr/>
         </p:nvGraphicFramePr>
         <p:xfrm>
-          <a:off x="5181600" y="3302000"/>
-          <a:ext cx="3741738" cy="3403600"/>
+          <a:off x="2752725" y="5334000"/>
+          <a:ext cx="3419475" cy="990600"/>
         </p:xfrm>
         <a:graphic>
           <a:graphicData uri="http://schemas.openxmlformats.org/presentationml/2006/ole">
-            <p:oleObj spid="_x0000_s1026" name="Equation" r:id="rId3" imgW="2209680" imgH="2006280" progId="Equation.3">
+            <p:oleObj spid="_x0000_s2050" name="Equation" r:id="rId3" imgW="2019240" imgH="583920" progId="Equation.3">
               <p:embed/>
             </p:oleObj>
           </a:graphicData>
@@ -4402,7 +4474,7 @@
           <a:p>
             <a:r>
               <a:rPr lang="en-US" dirty="0" smtClean="0"/>
-              <a:t>Advantages</a:t>
+              <a:t>Optimization objective</a:t>
             </a:r>
             <a:endParaRPr lang="en-US" dirty="0"/>
           </a:p>
@@ -4420,16 +4492,71 @@
         </p:nvSpPr>
         <p:spPr/>
         <p:txBody>
-          <a:bodyPr/>
-          <a:lstStyle/>
-          <a:p>
-            <a:endParaRPr lang="en-US" dirty="0" smtClean="0"/>
+          <a:bodyPr>
+            <a:normAutofit/>
+          </a:bodyPr>
+          <a:lstStyle/>
+          <a:p>
+            <a:r>
+              <a:rPr lang="en-US" dirty="0" smtClean="0"/>
+              <a:t>Maximize information gain</a:t>
+            </a:r>
+          </a:p>
+          <a:p>
+            <a:r>
+              <a:rPr lang="en-US" dirty="0" smtClean="0"/>
+              <a:t>Information gain</a:t>
+            </a:r>
+          </a:p>
+          <a:p>
+            <a:r>
+              <a:rPr lang="en-US" dirty="0" smtClean="0"/>
+              <a:t>Entropy</a:t>
+            </a:r>
+          </a:p>
+          <a:p>
+            <a:r>
+              <a:rPr lang="en-US" dirty="0" smtClean="0"/>
+              <a:t>Parent entropy</a:t>
+            </a:r>
+          </a:p>
+          <a:p>
+            <a:r>
+              <a:rPr lang="en-US" dirty="0" smtClean="0"/>
+              <a:t>Weighted child entropy</a:t>
+            </a:r>
+          </a:p>
+          <a:p>
+            <a:r>
+              <a:rPr lang="en-US" dirty="0" smtClean="0"/>
+              <a:t>Weight – Relative size</a:t>
+            </a:r>
           </a:p>
           <a:p>
             <a:endParaRPr lang="en-US" dirty="0"/>
           </a:p>
         </p:txBody>
       </p:sp>
+      <p:graphicFrame>
+        <p:nvGraphicFramePr>
+          <p:cNvPr id="7" name="Object 6"/>
+          <p:cNvGraphicFramePr>
+            <a:graphicFrameLocks noChangeAspect="1"/>
+          </p:cNvGraphicFramePr>
+          <p:nvPr/>
+        </p:nvGraphicFramePr>
+        <p:xfrm>
+          <a:off x="5181600" y="3302000"/>
+          <a:ext cx="3741738" cy="3403600"/>
+        </p:xfrm>
+        <a:graphic>
+          <a:graphicData uri="http://schemas.openxmlformats.org/presentationml/2006/ole">
+            <p:oleObj spid="_x0000_s1026" name="Equation" r:id="rId3" imgW="2209680" imgH="2006280" progId="Equation.3">
+              <p:embed/>
+            </p:oleObj>
+          </a:graphicData>
+        </a:graphic>
+      </p:graphicFrame>
     </p:spTree>
   </p:cSld>
   <p:clrMapOvr>
@@ -4479,7 +4606,7 @@
           <a:p>
             <a:r>
               <a:rPr lang="en-US" dirty="0" smtClean="0"/>
-              <a:t>Disadvantages</a:t>
+              <a:t>Advantages</a:t>
             </a:r>
             <a:endParaRPr lang="en-US" dirty="0"/>
           </a:p>
@@ -4546,17 +4673,17 @@
             <a:spLocks noGrp="1"/>
           </p:cNvSpPr>
           <p:nvPr>
-            <p:ph type="ctrTitle"/>
-          </p:nvPr>
-        </p:nvSpPr>
-        <p:spPr/>
-        <p:txBody>
-          <a:bodyPr/>
-          <a:lstStyle/>
-          <a:p>
-            <a:r>
-              <a:rPr lang="en-US" dirty="0" smtClean="0"/>
-              <a:t>Questions?</a:t>
+            <p:ph type="title"/>
+          </p:nvPr>
+        </p:nvSpPr>
+        <p:spPr/>
+        <p:txBody>
+          <a:bodyPr/>
+          <a:lstStyle/>
+          <a:p>
+            <a:r>
+              <a:rPr lang="en-US" dirty="0" smtClean="0"/>
+              <a:t>Disadvantages</a:t>
             </a:r>
             <a:endParaRPr lang="en-US" dirty="0"/>
           </a:p>
@@ -4564,23 +4691,22 @@
       </p:sp>
       <p:sp>
         <p:nvSpPr>
-          <p:cNvPr id="3" name="Subtitle 2"/>
-          <p:cNvSpPr>
-            <a:spLocks noGrp="1"/>
-          </p:cNvSpPr>
-          <p:nvPr>
-            <p:ph type="subTitle" idx="1"/>
-          </p:nvPr>
-        </p:nvSpPr>
-        <p:spPr/>
-        <p:txBody>
-          <a:bodyPr/>
-          <a:lstStyle/>
-          <a:p>
-            <a:r>
-              <a:rPr lang="en-US" dirty="0" smtClean="0"/>
-              <a:t>Thank you</a:t>
-            </a:r>
+          <p:cNvPr id="4" name="Content Placeholder 3"/>
+          <p:cNvSpPr>
+            <a:spLocks noGrp="1"/>
+          </p:cNvSpPr>
+          <p:nvPr>
+            <p:ph idx="1"/>
+          </p:nvPr>
+        </p:nvSpPr>
+        <p:spPr/>
+        <p:txBody>
+          <a:bodyPr/>
+          <a:lstStyle/>
+          <a:p>
+            <a:endParaRPr lang="en-US" dirty="0" smtClean="0"/>
+          </a:p>
+          <a:p>
             <a:endParaRPr lang="en-US" dirty="0"/>
           </a:p>
         </p:txBody>

--- a/MachineLearning/DecisionTree.pptx
+++ b/MachineLearning/DecisionTree.pptx
@@ -5,7 +5,7 @@
     <p:sldMasterId id="2147483648" r:id="rId1"/>
   </p:sldMasterIdLst>
   <p:notesMasterIdLst>
-    <p:notesMasterId r:id="rId12"/>
+    <p:notesMasterId r:id="rId14"/>
   </p:notesMasterIdLst>
   <p:sldIdLst>
     <p:sldId id="256" r:id="rId2"/>
@@ -15,9 +15,11 @@
     <p:sldId id="276" r:id="rId6"/>
     <p:sldId id="275" r:id="rId7"/>
     <p:sldId id="274" r:id="rId8"/>
-    <p:sldId id="271" r:id="rId9"/>
-    <p:sldId id="273" r:id="rId10"/>
-    <p:sldId id="269" r:id="rId11"/>
+    <p:sldId id="278" r:id="rId9"/>
+    <p:sldId id="277" r:id="rId10"/>
+    <p:sldId id="271" r:id="rId11"/>
+    <p:sldId id="273" r:id="rId12"/>
+    <p:sldId id="269" r:id="rId13"/>
   </p:sldIdLst>
   <p:sldSz cx="9144000" cy="6858000" type="screen4x3"/>
   <p:notesSz cx="6858000" cy="9144000"/>
@@ -3516,6 +3518,160 @@
             <a:spLocks noGrp="1"/>
           </p:cNvSpPr>
           <p:nvPr>
+            <p:ph type="title"/>
+          </p:nvPr>
+        </p:nvSpPr>
+        <p:spPr/>
+        <p:txBody>
+          <a:bodyPr/>
+          <a:lstStyle/>
+          <a:p>
+            <a:r>
+              <a:rPr lang="en-US" dirty="0" smtClean="0"/>
+              <a:t>Advantages</a:t>
+            </a:r>
+            <a:endParaRPr lang="en-US" dirty="0"/>
+          </a:p>
+        </p:txBody>
+      </p:sp>
+      <p:sp>
+        <p:nvSpPr>
+          <p:cNvPr id="4" name="Content Placeholder 3"/>
+          <p:cNvSpPr>
+            <a:spLocks noGrp="1"/>
+          </p:cNvSpPr>
+          <p:nvPr>
+            <p:ph idx="1"/>
+          </p:nvPr>
+        </p:nvSpPr>
+        <p:spPr/>
+        <p:txBody>
+          <a:bodyPr/>
+          <a:lstStyle/>
+          <a:p>
+            <a:endParaRPr lang="en-US" dirty="0" smtClean="0"/>
+          </a:p>
+          <a:p>
+            <a:endParaRPr lang="en-US" dirty="0"/>
+          </a:p>
+        </p:txBody>
+      </p:sp>
+    </p:spTree>
+  </p:cSld>
+  <p:clrMapOvr>
+    <a:masterClrMapping/>
+  </p:clrMapOvr>
+  <p:timing>
+    <p:tnLst>
+      <p:par>
+        <p:cTn id="1" dur="indefinite" restart="never" nodeType="tmRoot"/>
+      </p:par>
+    </p:tnLst>
+  </p:timing>
+</p:sld>
+</file>
+
+<file path=ppt/slides/slide11.xml><?xml version="1.0" encoding="utf-8"?>
+<p:sld xmlns:a="http://schemas.openxmlformats.org/drawingml/2006/main" xmlns:r="http://schemas.openxmlformats.org/officeDocument/2006/relationships" xmlns:p="http://schemas.openxmlformats.org/presentationml/2006/main">
+  <p:cSld>
+    <p:spTree>
+      <p:nvGrpSpPr>
+        <p:cNvPr id="1" name=""/>
+        <p:cNvGrpSpPr/>
+        <p:nvPr/>
+      </p:nvGrpSpPr>
+      <p:grpSpPr>
+        <a:xfrm>
+          <a:off x="0" y="0"/>
+          <a:ext cx="0" cy="0"/>
+          <a:chOff x="0" y="0"/>
+          <a:chExt cx="0" cy="0"/>
+        </a:xfrm>
+      </p:grpSpPr>
+      <p:sp>
+        <p:nvSpPr>
+          <p:cNvPr id="2" name="Title 1"/>
+          <p:cNvSpPr>
+            <a:spLocks noGrp="1"/>
+          </p:cNvSpPr>
+          <p:nvPr>
+            <p:ph type="title"/>
+          </p:nvPr>
+        </p:nvSpPr>
+        <p:spPr/>
+        <p:txBody>
+          <a:bodyPr/>
+          <a:lstStyle/>
+          <a:p>
+            <a:r>
+              <a:rPr lang="en-US" dirty="0" smtClean="0"/>
+              <a:t>Disadvantages</a:t>
+            </a:r>
+            <a:endParaRPr lang="en-US" dirty="0"/>
+          </a:p>
+        </p:txBody>
+      </p:sp>
+      <p:sp>
+        <p:nvSpPr>
+          <p:cNvPr id="4" name="Content Placeholder 3"/>
+          <p:cNvSpPr>
+            <a:spLocks noGrp="1"/>
+          </p:cNvSpPr>
+          <p:nvPr>
+            <p:ph idx="1"/>
+          </p:nvPr>
+        </p:nvSpPr>
+        <p:spPr/>
+        <p:txBody>
+          <a:bodyPr/>
+          <a:lstStyle/>
+          <a:p>
+            <a:endParaRPr lang="en-US" dirty="0" smtClean="0"/>
+          </a:p>
+          <a:p>
+            <a:endParaRPr lang="en-US" dirty="0"/>
+          </a:p>
+        </p:txBody>
+      </p:sp>
+    </p:spTree>
+  </p:cSld>
+  <p:clrMapOvr>
+    <a:masterClrMapping/>
+  </p:clrMapOvr>
+  <p:timing>
+    <p:tnLst>
+      <p:par>
+        <p:cTn id="1" dur="indefinite" restart="never" nodeType="tmRoot"/>
+      </p:par>
+    </p:tnLst>
+  </p:timing>
+</p:sld>
+</file>
+
+<file path=ppt/slides/slide12.xml><?xml version="1.0" encoding="utf-8"?>
+<p:sld xmlns:a="http://schemas.openxmlformats.org/drawingml/2006/main" xmlns:r="http://schemas.openxmlformats.org/officeDocument/2006/relationships" xmlns:p="http://schemas.openxmlformats.org/presentationml/2006/main">
+  <p:cSld>
+    <p:spTree>
+      <p:nvGrpSpPr>
+        <p:cNvPr id="1" name=""/>
+        <p:cNvGrpSpPr/>
+        <p:nvPr/>
+      </p:nvGrpSpPr>
+      <p:grpSpPr>
+        <a:xfrm>
+          <a:off x="0" y="0"/>
+          <a:ext cx="0" cy="0"/>
+          <a:chOff x="0" y="0"/>
+          <a:chExt cx="0" cy="0"/>
+        </a:xfrm>
+      </p:grpSpPr>
+      <p:sp>
+        <p:nvSpPr>
+          <p:cNvPr id="2" name="Title 1"/>
+          <p:cNvSpPr>
+            <a:spLocks noGrp="1"/>
+          </p:cNvSpPr>
+          <p:nvPr>
             <p:ph type="ctrTitle"/>
           </p:nvPr>
         </p:nvSpPr>
@@ -3965,7 +4121,7 @@
         <p:spPr/>
         <p:txBody>
           <a:bodyPr>
-            <a:normAutofit lnSpcReduction="10000"/>
+            <a:normAutofit fontScale="92500" lnSpcReduction="20000"/>
           </a:bodyPr>
           <a:lstStyle/>
           <a:p>
@@ -3978,6 +4134,12 @@
             <a:r>
               <a:rPr lang="en-US" dirty="0" smtClean="0"/>
               <a:t>Recursively split dataset</a:t>
+            </a:r>
+          </a:p>
+          <a:p>
+            <a:r>
+              <a:rPr lang="en-US" smtClean="0"/>
+              <a:t>Root node</a:t>
             </a:r>
           </a:p>
           <a:p>
@@ -4380,7 +4542,7 @@
             <a:pPr lvl="1"/>
             <a:r>
               <a:rPr lang="en-US" dirty="0" smtClean="0"/>
-              <a:t>Root node – Highest entropy</a:t>
+              <a:t>Root node – Highest entropy – 1 </a:t>
             </a:r>
           </a:p>
           <a:p>
@@ -4394,7 +4556,7 @@
             <a:pPr lvl="1"/>
             <a:r>
               <a:rPr lang="en-US" dirty="0" smtClean="0"/>
-              <a:t>Pure node – Lowest entropy</a:t>
+              <a:t>Pure node – Lowest entropy – 0 </a:t>
             </a:r>
           </a:p>
           <a:p>
@@ -4606,7 +4768,7 @@
           <a:p>
             <a:r>
               <a:rPr lang="en-US" dirty="0" smtClean="0"/>
-              <a:t>Advantages</a:t>
+              <a:t>Optimization objective</a:t>
             </a:r>
             <a:endParaRPr lang="en-US" dirty="0"/>
           </a:p>
@@ -4624,9 +4786,90 @@
         </p:nvSpPr>
         <p:spPr/>
         <p:txBody>
-          <a:bodyPr/>
-          <a:lstStyle/>
-          <a:p>
+          <a:bodyPr>
+            <a:normAutofit/>
+          </a:bodyPr>
+          <a:lstStyle/>
+          <a:p>
+            <a:r>
+              <a:rPr lang="en-US" dirty="0" err="1" smtClean="0"/>
+              <a:t>Gini</a:t>
+            </a:r>
+            <a:r>
+              <a:rPr lang="en-US" dirty="0" smtClean="0"/>
+              <a:t> </a:t>
+            </a:r>
+            <a:r>
+              <a:rPr lang="en-US" dirty="0" smtClean="0"/>
+              <a:t>index </a:t>
+            </a:r>
+          </a:p>
+          <a:p>
+            <a:r>
+              <a:rPr lang="en-IN" dirty="0" smtClean="0"/>
+              <a:t>Evaluate accuracy of a split</a:t>
+            </a:r>
+          </a:p>
+          <a:p>
+            <a:r>
+              <a:rPr lang="en-IN" dirty="0" smtClean="0"/>
+              <a:t>Value between </a:t>
+            </a:r>
+            <a:r>
+              <a:rPr lang="en-IN" dirty="0" smtClean="0"/>
+              <a:t>0 and </a:t>
+            </a:r>
+            <a:r>
+              <a:rPr lang="en-IN" dirty="0" smtClean="0"/>
+              <a:t>1</a:t>
+            </a:r>
+          </a:p>
+          <a:p>
+            <a:r>
+              <a:rPr lang="en-IN" dirty="0" smtClean="0"/>
+              <a:t>Value </a:t>
+            </a:r>
+            <a:r>
+              <a:rPr lang="en-IN" dirty="0" smtClean="0"/>
+              <a:t>0 </a:t>
+            </a:r>
+            <a:endParaRPr lang="en-IN" dirty="0" smtClean="0"/>
+          </a:p>
+          <a:p>
+            <a:pPr lvl="1"/>
+            <a:r>
+              <a:rPr lang="en-IN" dirty="0" smtClean="0"/>
+              <a:t>All observations </a:t>
+            </a:r>
+            <a:r>
+              <a:rPr lang="en-IN" dirty="0" smtClean="0"/>
+              <a:t>belong to one </a:t>
+            </a:r>
+            <a:r>
+              <a:rPr lang="en-IN" dirty="0" smtClean="0"/>
+              <a:t>class</a:t>
+            </a:r>
+          </a:p>
+          <a:p>
+            <a:r>
+              <a:rPr lang="en-IN" dirty="0" smtClean="0"/>
+              <a:t>Value 1 </a:t>
+            </a:r>
+          </a:p>
+          <a:p>
+            <a:pPr lvl="1"/>
+            <a:r>
+              <a:rPr lang="en-IN" dirty="0" smtClean="0"/>
+              <a:t>Random </a:t>
+            </a:r>
+            <a:r>
+              <a:rPr lang="en-IN" dirty="0" smtClean="0"/>
+              <a:t>distribution </a:t>
+            </a:r>
+            <a:r>
+              <a:rPr lang="en-IN" dirty="0" smtClean="0"/>
+              <a:t>of classes</a:t>
+            </a:r>
             <a:endParaRPr lang="en-US" dirty="0" smtClean="0"/>
           </a:p>
           <a:p>
@@ -4683,7 +4926,11 @@
           <a:p>
             <a:r>
               <a:rPr lang="en-US" dirty="0" smtClean="0"/>
-              <a:t>Disadvantages</a:t>
+              <a:t>Decision Tree </a:t>
+            </a:r>
+            <a:r>
+              <a:rPr lang="en-US" dirty="0" smtClean="0"/>
+              <a:t>Algorithm</a:t>
             </a:r>
             <a:endParaRPr lang="en-US" dirty="0"/>
           </a:p>
@@ -4691,7 +4938,7 @@
       </p:sp>
       <p:sp>
         <p:nvSpPr>
-          <p:cNvPr id="4" name="Content Placeholder 3"/>
+          <p:cNvPr id="3" name="Content Placeholder 2"/>
           <p:cNvSpPr>
             <a:spLocks noGrp="1"/>
           </p:cNvSpPr>
@@ -4701,12 +4948,94 @@
         </p:nvSpPr>
         <p:spPr/>
         <p:txBody>
-          <a:bodyPr/>
-          <a:lstStyle/>
-          <a:p>
-            <a:endParaRPr lang="en-US" dirty="0" smtClean="0"/>
-          </a:p>
-          <a:p>
+          <a:bodyPr>
+            <a:normAutofit fontScale="92500" lnSpcReduction="20000"/>
+          </a:bodyPr>
+          <a:lstStyle/>
+          <a:p>
+            <a:pPr marL="514350" indent="-514350">
+              <a:buFont typeface="+mj-lt"/>
+              <a:buAutoNum type="arabicPeriod"/>
+            </a:pPr>
+            <a:r>
+              <a:rPr lang="en-IN" dirty="0" smtClean="0"/>
+              <a:t>Select number of clusters – K </a:t>
+            </a:r>
+          </a:p>
+          <a:p>
+            <a:pPr marL="514350" indent="-514350">
+              <a:buFont typeface="+mj-lt"/>
+              <a:buAutoNum type="arabicPeriod"/>
+            </a:pPr>
+            <a:r>
+              <a:rPr lang="en-IN" dirty="0" smtClean="0"/>
+              <a:t>Select random K points as centroids</a:t>
+            </a:r>
+          </a:p>
+          <a:p>
+            <a:pPr marL="514350" indent="-514350">
+              <a:buFont typeface="+mj-lt"/>
+              <a:buAutoNum type="arabicPeriod"/>
+            </a:pPr>
+            <a:r>
+              <a:rPr lang="en-IN" dirty="0" smtClean="0"/>
+              <a:t>Cluster assignment</a:t>
+            </a:r>
+          </a:p>
+          <a:p>
+            <a:pPr marL="971550" lvl="1" indent="-514350"/>
+            <a:r>
+              <a:rPr lang="en-IN" dirty="0" smtClean="0"/>
+              <a:t>Assign each data point to closest centroid</a:t>
+            </a:r>
+          </a:p>
+          <a:p>
+            <a:pPr marL="514350" indent="-514350">
+              <a:buFont typeface="+mj-lt"/>
+              <a:buAutoNum type="arabicPeriod"/>
+            </a:pPr>
+            <a:r>
+              <a:rPr lang="en-IN" dirty="0" smtClean="0"/>
+              <a:t>Centroid movement</a:t>
+            </a:r>
+          </a:p>
+          <a:p>
+            <a:pPr marL="971550" lvl="1" indent="-514350"/>
+            <a:r>
+              <a:rPr lang="en-IN" dirty="0" smtClean="0"/>
+              <a:t>Compute centroids for new clusters </a:t>
+            </a:r>
+          </a:p>
+          <a:p>
+            <a:pPr marL="514350" indent="-514350">
+              <a:buFont typeface="+mj-lt"/>
+              <a:buAutoNum type="arabicPeriod"/>
+            </a:pPr>
+            <a:r>
+              <a:rPr lang="en-IN" dirty="0" smtClean="0"/>
+              <a:t>Repeat Steps 3 to 5 until </a:t>
+            </a:r>
+          </a:p>
+          <a:p>
+            <a:pPr marL="914400" lvl="1" indent="-514350"/>
+            <a:r>
+              <a:rPr lang="en-US" dirty="0" smtClean="0"/>
+              <a:t>Maximum number of iterations</a:t>
+            </a:r>
+          </a:p>
+          <a:p>
+            <a:pPr marL="914400" lvl="1" indent="-514350"/>
+            <a:r>
+              <a:rPr lang="en-US" dirty="0" smtClean="0"/>
+              <a:t>Minimum variation in cluster centers</a:t>
+            </a:r>
+          </a:p>
+          <a:p>
+            <a:pPr marL="914400" lvl="1" indent="-514350"/>
+            <a:r>
+              <a:rPr lang="en-US" dirty="0" smtClean="0"/>
+              <a:t>No change in cluster centers</a:t>
+            </a:r>
             <a:endParaRPr lang="en-US" dirty="0"/>
           </a:p>
         </p:txBody>

--- a/MachineLearning/DecisionTree.pptx
+++ b/MachineLearning/DecisionTree.pptx
@@ -3549,6 +3549,50 @@
           <a:bodyPr/>
           <a:lstStyle/>
           <a:p>
+            <a:r>
+              <a:rPr lang="en-US" dirty="0" smtClean="0"/>
+              <a:t>Generate understandable </a:t>
+            </a:r>
+            <a:r>
+              <a:rPr lang="en-US" dirty="0" smtClean="0"/>
+              <a:t>rules</a:t>
+            </a:r>
+          </a:p>
+          <a:p>
+            <a:r>
+              <a:rPr lang="en-US" dirty="0" smtClean="0"/>
+              <a:t>Interpretable AI</a:t>
+            </a:r>
+          </a:p>
+          <a:p>
+            <a:r>
+              <a:rPr lang="en-IN" dirty="0" smtClean="0"/>
+              <a:t>Classification with less computation</a:t>
+            </a:r>
+          </a:p>
+          <a:p>
+            <a:r>
+              <a:rPr lang="en-IN" dirty="0" smtClean="0"/>
+              <a:t>Handle continuous </a:t>
+            </a:r>
+            <a:r>
+              <a:rPr lang="en-IN" dirty="0" smtClean="0"/>
+              <a:t>and categorical </a:t>
+            </a:r>
+            <a:r>
+              <a:rPr lang="en-IN" dirty="0" smtClean="0"/>
+              <a:t>variables</a:t>
+            </a:r>
+          </a:p>
+          <a:p>
+            <a:r>
+              <a:rPr lang="en-IN" dirty="0" smtClean="0"/>
+              <a:t>Indicate </a:t>
+            </a:r>
+            <a:r>
+              <a:rPr lang="en-IN" dirty="0" smtClean="0"/>
+              <a:t>feature importance</a:t>
+            </a:r>
             <a:endParaRPr lang="en-US" dirty="0" smtClean="0"/>
           </a:p>
           <a:p>
@@ -3626,6 +3670,23 @@
           <a:bodyPr/>
           <a:lstStyle/>
           <a:p>
+            <a:r>
+              <a:rPr lang="en-US" dirty="0" smtClean="0"/>
+              <a:t>Less appropriate for regression task</a:t>
+            </a:r>
+          </a:p>
+          <a:p>
+            <a:r>
+              <a:rPr lang="en-US" dirty="0" smtClean="0"/>
+              <a:t>Less accurate </a:t>
+            </a:r>
+          </a:p>
+          <a:p>
+            <a:pPr lvl="1"/>
+            <a:r>
+              <a:rPr lang="en-US" dirty="0" smtClean="0"/>
+              <a:t>Solution – Use random forest algorithm </a:t>
+            </a:r>
             <a:endParaRPr lang="en-US" dirty="0" smtClean="0"/>
           </a:p>
           <a:p>
@@ -4138,7 +4199,7 @@
           </a:p>
           <a:p>
             <a:r>
-              <a:rPr lang="en-US" smtClean="0"/>
+              <a:rPr lang="en-US" dirty="0" smtClean="0"/>
               <a:t>Root node</a:t>
             </a:r>
           </a:p>
@@ -4797,11 +4858,23 @@
             </a:r>
             <a:r>
               <a:rPr lang="en-US" dirty="0" smtClean="0"/>
-              <a:t> </a:t>
-            </a:r>
-            <a:r>
-              <a:rPr lang="en-US" dirty="0" smtClean="0"/>
-              <a:t>index </a:t>
+              <a:t> I</a:t>
+            </a:r>
+            <a:r>
+              <a:rPr lang="en-US" dirty="0" smtClean="0"/>
+              <a:t>ndex or </a:t>
+            </a:r>
+            <a:r>
+              <a:rPr lang="en-US" dirty="0" err="1" smtClean="0"/>
+              <a:t>Gini</a:t>
+            </a:r>
+            <a:r>
+              <a:rPr lang="en-US" dirty="0" smtClean="0"/>
+              <a:t> I</a:t>
+            </a:r>
+            <a:r>
+              <a:rPr lang="en-US" dirty="0" smtClean="0"/>
+              <a:t>mpurity</a:t>
             </a:r>
           </a:p>
           <a:p>
@@ -4949,7 +5022,7 @@
         <p:spPr/>
         <p:txBody>
           <a:bodyPr>
-            <a:normAutofit fontScale="92500" lnSpcReduction="20000"/>
+            <a:normAutofit/>
           </a:bodyPr>
           <a:lstStyle/>
           <a:p>
@@ -4959,8 +5032,9 @@
             </a:pPr>
             <a:r>
               <a:rPr lang="en-IN" dirty="0" smtClean="0"/>
-              <a:t>Select number of clusters – K </a:t>
-            </a:r>
+              <a:t>Create root node with complete dataset</a:t>
+            </a:r>
+            <a:endParaRPr lang="en-IN" dirty="0" smtClean="0"/>
           </a:p>
           <a:p>
             <a:pPr marL="514350" indent="-514350">
@@ -4969,8 +5043,21 @@
             </a:pPr>
             <a:r>
               <a:rPr lang="en-IN" dirty="0" smtClean="0"/>
-              <a:t>Select random K points as centroids</a:t>
-            </a:r>
+              <a:t>Find </a:t>
+            </a:r>
+            <a:r>
+              <a:rPr lang="en-IN" dirty="0" smtClean="0"/>
+              <a:t>best </a:t>
+            </a:r>
+            <a:r>
+              <a:rPr lang="en-IN" dirty="0" smtClean="0"/>
+              <a:t>attribute </a:t>
+            </a:r>
+            <a:r>
+              <a:rPr lang="en-IN" dirty="0" smtClean="0"/>
+              <a:t>and value in dataset</a:t>
+            </a:r>
+            <a:endParaRPr lang="en-IN" dirty="0" smtClean="0"/>
           </a:p>
           <a:p>
             <a:pPr marL="514350" indent="-514350">
@@ -4979,15 +5066,13 @@
             </a:pPr>
             <a:r>
               <a:rPr lang="en-IN" dirty="0" smtClean="0"/>
-              <a:t>Cluster assignment</a:t>
-            </a:r>
-          </a:p>
-          <a:p>
-            <a:pPr marL="971550" lvl="1" indent="-514350"/>
+              <a:t>Generate </a:t>
+            </a:r>
             <a:r>
               <a:rPr lang="en-IN" dirty="0" smtClean="0"/>
-              <a:t>Assign each data point to closest centroid</a:t>
-            </a:r>
+              <a:t>decision node</a:t>
+            </a:r>
+            <a:endParaRPr lang="en-IN" dirty="0" smtClean="0"/>
           </a:p>
           <a:p>
             <a:pPr marL="514350" indent="-514350">
@@ -4996,15 +5081,9 @@
             </a:pPr>
             <a:r>
               <a:rPr lang="en-IN" dirty="0" smtClean="0"/>
-              <a:t>Centroid movement</a:t>
-            </a:r>
-          </a:p>
-          <a:p>
-            <a:pPr marL="971550" lvl="1" indent="-514350"/>
-            <a:r>
-              <a:rPr lang="en-IN" dirty="0" smtClean="0"/>
-              <a:t>Compute centroids for new clusters </a:t>
-            </a:r>
+              <a:t>Divide current dataset into subsets</a:t>
+            </a:r>
+            <a:endParaRPr lang="en-IN" dirty="0" smtClean="0"/>
           </a:p>
           <a:p>
             <a:pPr marL="514350" indent="-514350">
@@ -5013,30 +5092,44 @@
             </a:pPr>
             <a:r>
               <a:rPr lang="en-IN" dirty="0" smtClean="0"/>
-              <a:t>Repeat Steps 3 to 5 until </a:t>
+              <a:t>Repeat </a:t>
+            </a:r>
+            <a:r>
+              <a:rPr lang="en-IN" dirty="0" smtClean="0"/>
+              <a:t>Steps </a:t>
+            </a:r>
+            <a:r>
+              <a:rPr lang="en-IN" dirty="0" smtClean="0"/>
+              <a:t>2 </a:t>
+            </a:r>
+            <a:r>
+              <a:rPr lang="en-IN" dirty="0" smtClean="0"/>
+              <a:t>to </a:t>
+            </a:r>
+            <a:r>
+              <a:rPr lang="en-IN" dirty="0" smtClean="0"/>
+              <a:t>3 </a:t>
+            </a:r>
+            <a:r>
+              <a:rPr lang="en-IN" dirty="0" smtClean="0"/>
+              <a:t>until </a:t>
             </a:r>
           </a:p>
           <a:p>
             <a:pPr marL="914400" lvl="1" indent="-514350"/>
             <a:r>
               <a:rPr lang="en-US" dirty="0" smtClean="0"/>
-              <a:t>Maximum number of iterations</a:t>
-            </a:r>
+              <a:t>All nodes are leaf nodes</a:t>
+            </a:r>
+            <a:endParaRPr lang="en-US" dirty="0" smtClean="0"/>
           </a:p>
           <a:p>
             <a:pPr marL="914400" lvl="1" indent="-514350"/>
             <a:r>
               <a:rPr lang="en-US" dirty="0" smtClean="0"/>
-              <a:t>Minimum variation in cluster centers</a:t>
-            </a:r>
-          </a:p>
-          <a:p>
-            <a:pPr marL="914400" lvl="1" indent="-514350"/>
-            <a:r>
-              <a:rPr lang="en-US" dirty="0" smtClean="0"/>
-              <a:t>No change in cluster centers</a:t>
-            </a:r>
-            <a:endParaRPr lang="en-US" dirty="0"/>
+              <a:t>Further division is not possible</a:t>
+            </a:r>
+            <a:endParaRPr lang="en-US" dirty="0" smtClean="0"/>
           </a:p>
         </p:txBody>
       </p:sp>

--- a/MachineLearning/DecisionTree.pptx
+++ b/MachineLearning/DecisionTree.pptx
@@ -5,7 +5,7 @@
     <p:sldMasterId id="2147483648" r:id="rId1"/>
   </p:sldMasterIdLst>
   <p:notesMasterIdLst>
-    <p:notesMasterId r:id="rId14"/>
+    <p:notesMasterId r:id="rId15"/>
   </p:notesMasterIdLst>
   <p:sldIdLst>
     <p:sldId id="256" r:id="rId2"/>
@@ -13,13 +13,14 @@
     <p:sldId id="270" r:id="rId4"/>
     <p:sldId id="272" r:id="rId5"/>
     <p:sldId id="276" r:id="rId6"/>
-    <p:sldId id="275" r:id="rId7"/>
-    <p:sldId id="274" r:id="rId8"/>
-    <p:sldId id="278" r:id="rId9"/>
-    <p:sldId id="277" r:id="rId10"/>
-    <p:sldId id="271" r:id="rId11"/>
-    <p:sldId id="273" r:id="rId12"/>
-    <p:sldId id="269" r:id="rId13"/>
+    <p:sldId id="279" r:id="rId7"/>
+    <p:sldId id="275" r:id="rId8"/>
+    <p:sldId id="274" r:id="rId9"/>
+    <p:sldId id="278" r:id="rId10"/>
+    <p:sldId id="277" r:id="rId11"/>
+    <p:sldId id="271" r:id="rId12"/>
+    <p:sldId id="273" r:id="rId13"/>
+    <p:sldId id="269" r:id="rId14"/>
   </p:sldIdLst>
   <p:sldSz cx="9144000" cy="6858000" type="screen4x3"/>
   <p:notesSz cx="6858000" cy="9144000"/>
@@ -204,7 +205,7 @@
             <a:fld id="{98BFDCCA-FFB9-49F6-B56E-F6432283D67C}" type="datetimeFigureOut">
               <a:rPr lang="en-US" smtClean="0"/>
               <a:pPr/>
-              <a:t>1/3/2023</a:t>
+              <a:t>1/4/2023</a:t>
             </a:fld>
             <a:endParaRPr lang="en-US"/>
           </a:p>
@@ -652,7 +653,7 @@
             <a:fld id="{9099FEDA-6AC3-495C-A467-2B0399D71BB7}" type="datetimeFigureOut">
               <a:rPr lang="en-US" smtClean="0"/>
               <a:pPr/>
-              <a:t>1/3/2023</a:t>
+              <a:t>1/4/2023</a:t>
             </a:fld>
             <a:endParaRPr lang="en-US"/>
           </a:p>
@@ -819,7 +820,7 @@
             <a:fld id="{9099FEDA-6AC3-495C-A467-2B0399D71BB7}" type="datetimeFigureOut">
               <a:rPr lang="en-US" smtClean="0"/>
               <a:pPr/>
-              <a:t>1/3/2023</a:t>
+              <a:t>1/4/2023</a:t>
             </a:fld>
             <a:endParaRPr lang="en-US"/>
           </a:p>
@@ -996,7 +997,7 @@
             <a:fld id="{9099FEDA-6AC3-495C-A467-2B0399D71BB7}" type="datetimeFigureOut">
               <a:rPr lang="en-US" smtClean="0"/>
               <a:pPr/>
-              <a:t>1/3/2023</a:t>
+              <a:t>1/4/2023</a:t>
             </a:fld>
             <a:endParaRPr lang="en-US"/>
           </a:p>
@@ -1163,7 +1164,7 @@
             <a:fld id="{9099FEDA-6AC3-495C-A467-2B0399D71BB7}" type="datetimeFigureOut">
               <a:rPr lang="en-US" smtClean="0"/>
               <a:pPr/>
-              <a:t>1/3/2023</a:t>
+              <a:t>1/4/2023</a:t>
             </a:fld>
             <a:endParaRPr lang="en-US"/>
           </a:p>
@@ -1406,7 +1407,7 @@
             <a:fld id="{9099FEDA-6AC3-495C-A467-2B0399D71BB7}" type="datetimeFigureOut">
               <a:rPr lang="en-US" smtClean="0"/>
               <a:pPr/>
-              <a:t>1/3/2023</a:t>
+              <a:t>1/4/2023</a:t>
             </a:fld>
             <a:endParaRPr lang="en-US"/>
           </a:p>
@@ -1691,7 +1692,7 @@
             <a:fld id="{9099FEDA-6AC3-495C-A467-2B0399D71BB7}" type="datetimeFigureOut">
               <a:rPr lang="en-US" smtClean="0"/>
               <a:pPr/>
-              <a:t>1/3/2023</a:t>
+              <a:t>1/4/2023</a:t>
             </a:fld>
             <a:endParaRPr lang="en-US"/>
           </a:p>
@@ -2110,7 +2111,7 @@
             <a:fld id="{9099FEDA-6AC3-495C-A467-2B0399D71BB7}" type="datetimeFigureOut">
               <a:rPr lang="en-US" smtClean="0"/>
               <a:pPr/>
-              <a:t>1/3/2023</a:t>
+              <a:t>1/4/2023</a:t>
             </a:fld>
             <a:endParaRPr lang="en-US"/>
           </a:p>
@@ -2225,7 +2226,7 @@
             <a:fld id="{9099FEDA-6AC3-495C-A467-2B0399D71BB7}" type="datetimeFigureOut">
               <a:rPr lang="en-US" smtClean="0"/>
               <a:pPr/>
-              <a:t>1/3/2023</a:t>
+              <a:t>1/4/2023</a:t>
             </a:fld>
             <a:endParaRPr lang="en-US"/>
           </a:p>
@@ -2317,7 +2318,7 @@
             <a:fld id="{9099FEDA-6AC3-495C-A467-2B0399D71BB7}" type="datetimeFigureOut">
               <a:rPr lang="en-US" smtClean="0"/>
               <a:pPr/>
-              <a:t>1/3/2023</a:t>
+              <a:t>1/4/2023</a:t>
             </a:fld>
             <a:endParaRPr lang="en-US"/>
           </a:p>
@@ -2591,7 +2592,7 @@
             <a:fld id="{9099FEDA-6AC3-495C-A467-2B0399D71BB7}" type="datetimeFigureOut">
               <a:rPr lang="en-US" smtClean="0"/>
               <a:pPr/>
-              <a:t>1/3/2023</a:t>
+              <a:t>1/4/2023</a:t>
             </a:fld>
             <a:endParaRPr lang="en-US"/>
           </a:p>
@@ -2841,7 +2842,7 @@
             <a:fld id="{9099FEDA-6AC3-495C-A467-2B0399D71BB7}" type="datetimeFigureOut">
               <a:rPr lang="en-US" smtClean="0"/>
               <a:pPr/>
-              <a:t>1/3/2023</a:t>
+              <a:t>1/4/2023</a:t>
             </a:fld>
             <a:endParaRPr lang="en-US"/>
           </a:p>
@@ -3051,7 +3052,7 @@
             <a:fld id="{9099FEDA-6AC3-495C-A467-2B0399D71BB7}" type="datetimeFigureOut">
               <a:rPr lang="en-US" smtClean="0"/>
               <a:pPr/>
-              <a:t>1/3/2023</a:t>
+              <a:t>1/4/2023</a:t>
             </a:fld>
             <a:endParaRPr lang="en-US"/>
           </a:p>
@@ -3528,7 +3529,7 @@
           <a:p>
             <a:r>
               <a:rPr lang="en-US" dirty="0" smtClean="0"/>
-              <a:t>Advantages</a:t>
+              <a:t>Decision Tree Algorithm</a:t>
             </a:r>
             <a:endParaRPr lang="en-US" dirty="0"/>
           </a:p>
@@ -3536,7 +3537,7 @@
       </p:sp>
       <p:sp>
         <p:nvSpPr>
-          <p:cNvPr id="4" name="Content Placeholder 3"/>
+          <p:cNvPr id="3" name="Content Placeholder 2"/>
           <p:cNvSpPr>
             <a:spLocks noGrp="1"/>
           </p:cNvSpPr>
@@ -3546,57 +3547,73 @@
         </p:nvSpPr>
         <p:spPr/>
         <p:txBody>
-          <a:bodyPr/>
-          <a:lstStyle/>
-          <a:p>
-            <a:r>
-              <a:rPr lang="en-US" dirty="0" smtClean="0"/>
-              <a:t>Generate understandable </a:t>
-            </a:r>
-            <a:r>
-              <a:rPr lang="en-US" dirty="0" smtClean="0"/>
-              <a:t>rules</a:t>
-            </a:r>
-          </a:p>
-          <a:p>
-            <a:r>
-              <a:rPr lang="en-US" dirty="0" smtClean="0"/>
-              <a:t>Interpretable AI</a:t>
-            </a:r>
-          </a:p>
-          <a:p>
+          <a:bodyPr>
+            <a:normAutofit/>
+          </a:bodyPr>
+          <a:lstStyle/>
+          <a:p>
+            <a:pPr marL="514350" indent="-514350">
+              <a:buFont typeface="+mj-lt"/>
+              <a:buAutoNum type="arabicPeriod"/>
+            </a:pPr>
             <a:r>
               <a:rPr lang="en-IN" dirty="0" smtClean="0"/>
-              <a:t>Classification with less computation</a:t>
-            </a:r>
-          </a:p>
-          <a:p>
+              <a:t>Create root node with complete dataset</a:t>
+            </a:r>
+          </a:p>
+          <a:p>
+            <a:pPr marL="514350" indent="-514350">
+              <a:buFont typeface="+mj-lt"/>
+              <a:buAutoNum type="arabicPeriod"/>
+            </a:pPr>
             <a:r>
               <a:rPr lang="en-IN" dirty="0" smtClean="0"/>
-              <a:t>Handle continuous </a:t>
-            </a:r>
+              <a:t>Find best attribute and value in dataset</a:t>
+            </a:r>
+          </a:p>
+          <a:p>
+            <a:pPr marL="514350" indent="-514350">
+              <a:buFont typeface="+mj-lt"/>
+              <a:buAutoNum type="arabicPeriod"/>
+            </a:pPr>
             <a:r>
               <a:rPr lang="en-IN" dirty="0" smtClean="0"/>
-              <a:t>and categorical </a:t>
-            </a:r>
+              <a:t>Generate decision node</a:t>
+            </a:r>
+          </a:p>
+          <a:p>
+            <a:pPr marL="514350" indent="-514350">
+              <a:buFont typeface="+mj-lt"/>
+              <a:buAutoNum type="arabicPeriod"/>
+            </a:pPr>
             <a:r>
               <a:rPr lang="en-IN" dirty="0" smtClean="0"/>
-              <a:t>variables</a:t>
-            </a:r>
-          </a:p>
-          <a:p>
+              <a:t>Divide current dataset into subsets</a:t>
+            </a:r>
+          </a:p>
+          <a:p>
+            <a:pPr marL="514350" indent="-514350">
+              <a:buFont typeface="+mj-lt"/>
+              <a:buAutoNum type="arabicPeriod"/>
+            </a:pPr>
             <a:r>
               <a:rPr lang="en-IN" dirty="0" smtClean="0"/>
-              <a:t>Indicate </a:t>
-            </a:r>
-            <a:r>
-              <a:rPr lang="en-IN" dirty="0" smtClean="0"/>
-              <a:t>feature importance</a:t>
-            </a:r>
-            <a:endParaRPr lang="en-US" dirty="0" smtClean="0"/>
-          </a:p>
-          <a:p>
-            <a:endParaRPr lang="en-US" dirty="0"/>
+              <a:t>Repeat Steps 2 to 3 until </a:t>
+            </a:r>
+          </a:p>
+          <a:p>
+            <a:pPr marL="914400" lvl="1" indent="-514350"/>
+            <a:r>
+              <a:rPr lang="en-US" dirty="0" smtClean="0"/>
+              <a:t>All nodes are leaf nodes</a:t>
+            </a:r>
+          </a:p>
+          <a:p>
+            <a:pPr marL="914400" lvl="1" indent="-514350"/>
+            <a:r>
+              <a:rPr lang="en-US" dirty="0" smtClean="0"/>
+              <a:t>Further division is not possible</a:t>
+            </a:r>
           </a:p>
         </p:txBody>
       </p:sp>
@@ -3649,7 +3666,7 @@
           <a:p>
             <a:r>
               <a:rPr lang="en-US" dirty="0" smtClean="0"/>
-              <a:t>Disadvantages</a:t>
+              <a:t>Advantages</a:t>
             </a:r>
             <a:endParaRPr lang="en-US" dirty="0"/>
           </a:p>
@@ -3672,20 +3689,31 @@
           <a:p>
             <a:r>
               <a:rPr lang="en-US" dirty="0" smtClean="0"/>
-              <a:t>Less appropriate for regression task</a:t>
-            </a:r>
-          </a:p>
-          <a:p>
-            <a:r>
-              <a:rPr lang="en-US" dirty="0" smtClean="0"/>
-              <a:t>Less accurate </a:t>
-            </a:r>
-          </a:p>
-          <a:p>
-            <a:pPr lvl="1"/>
-            <a:r>
-              <a:rPr lang="en-US" dirty="0" smtClean="0"/>
-              <a:t>Solution – Use random forest algorithm </a:t>
+              <a:t>Generate understandable rules</a:t>
+            </a:r>
+          </a:p>
+          <a:p>
+            <a:r>
+              <a:rPr lang="en-US" dirty="0" smtClean="0"/>
+              <a:t>Interpretable AI</a:t>
+            </a:r>
+          </a:p>
+          <a:p>
+            <a:r>
+              <a:rPr lang="en-IN" dirty="0" smtClean="0"/>
+              <a:t>Classification with less computation</a:t>
+            </a:r>
+          </a:p>
+          <a:p>
+            <a:r>
+              <a:rPr lang="en-IN" dirty="0" smtClean="0"/>
+              <a:t>Handle continuous and categorical variables</a:t>
+            </a:r>
+          </a:p>
+          <a:p>
+            <a:r>
+              <a:rPr lang="en-IN" dirty="0" smtClean="0"/>
+              <a:t>Indicate feature importance</a:t>
             </a:r>
             <a:endParaRPr lang="en-US" dirty="0" smtClean="0"/>
           </a:p>
@@ -3733,6 +3761,99 @@
             <a:spLocks noGrp="1"/>
           </p:cNvSpPr>
           <p:nvPr>
+            <p:ph type="title"/>
+          </p:nvPr>
+        </p:nvSpPr>
+        <p:spPr/>
+        <p:txBody>
+          <a:bodyPr/>
+          <a:lstStyle/>
+          <a:p>
+            <a:r>
+              <a:rPr lang="en-US" dirty="0" smtClean="0"/>
+              <a:t>Disadvantages</a:t>
+            </a:r>
+            <a:endParaRPr lang="en-US" dirty="0"/>
+          </a:p>
+        </p:txBody>
+      </p:sp>
+      <p:sp>
+        <p:nvSpPr>
+          <p:cNvPr id="4" name="Content Placeholder 3"/>
+          <p:cNvSpPr>
+            <a:spLocks noGrp="1"/>
+          </p:cNvSpPr>
+          <p:nvPr>
+            <p:ph idx="1"/>
+          </p:nvPr>
+        </p:nvSpPr>
+        <p:spPr/>
+        <p:txBody>
+          <a:bodyPr/>
+          <a:lstStyle/>
+          <a:p>
+            <a:r>
+              <a:rPr lang="en-US" dirty="0" smtClean="0"/>
+              <a:t>Less appropriate for regression task</a:t>
+            </a:r>
+          </a:p>
+          <a:p>
+            <a:r>
+              <a:rPr lang="en-US" dirty="0" smtClean="0"/>
+              <a:t>Less accurate </a:t>
+            </a:r>
+          </a:p>
+          <a:p>
+            <a:pPr lvl="1"/>
+            <a:r>
+              <a:rPr lang="en-US" dirty="0" smtClean="0"/>
+              <a:t>Solution – Use random forest algorithm </a:t>
+            </a:r>
+          </a:p>
+          <a:p>
+            <a:endParaRPr lang="en-US" dirty="0"/>
+          </a:p>
+        </p:txBody>
+      </p:sp>
+    </p:spTree>
+  </p:cSld>
+  <p:clrMapOvr>
+    <a:masterClrMapping/>
+  </p:clrMapOvr>
+  <p:timing>
+    <p:tnLst>
+      <p:par>
+        <p:cTn id="1" dur="indefinite" restart="never" nodeType="tmRoot"/>
+      </p:par>
+    </p:tnLst>
+  </p:timing>
+</p:sld>
+</file>
+
+<file path=ppt/slides/slide13.xml><?xml version="1.0" encoding="utf-8"?>
+<p:sld xmlns:a="http://schemas.openxmlformats.org/drawingml/2006/main" xmlns:r="http://schemas.openxmlformats.org/officeDocument/2006/relationships" xmlns:p="http://schemas.openxmlformats.org/presentationml/2006/main">
+  <p:cSld>
+    <p:spTree>
+      <p:nvGrpSpPr>
+        <p:cNvPr id="1" name=""/>
+        <p:cNvGrpSpPr/>
+        <p:nvPr/>
+      </p:nvGrpSpPr>
+      <p:grpSpPr>
+        <a:xfrm>
+          <a:off x="0" y="0"/>
+          <a:ext cx="0" cy="0"/>
+          <a:chOff x="0" y="0"/>
+          <a:chExt cx="0" cy="0"/>
+        </a:xfrm>
+      </p:grpSpPr>
+      <p:sp>
+        <p:nvSpPr>
+          <p:cNvPr id="2" name="Title 1"/>
+          <p:cNvSpPr>
+            <a:spLocks noGrp="1"/>
+          </p:cNvSpPr>
+          <p:nvPr>
             <p:ph type="ctrTitle"/>
           </p:nvPr>
         </p:nvSpPr>
@@ -3852,31 +3973,19 @@
           <a:p>
             <a:r>
               <a:rPr lang="en-US" dirty="0" smtClean="0"/>
-              <a:t>Supervised </a:t>
-            </a:r>
-            <a:r>
-              <a:rPr lang="en-US" dirty="0" smtClean="0"/>
-              <a:t>learning</a:t>
-            </a:r>
-          </a:p>
-          <a:p>
-            <a:r>
-              <a:rPr lang="en-US" dirty="0" smtClean="0"/>
-              <a:t>Decision </a:t>
-            </a:r>
-            <a:r>
-              <a:rPr lang="en-US" dirty="0" smtClean="0"/>
-              <a:t>tree</a:t>
-            </a:r>
-          </a:p>
-          <a:p>
-            <a:r>
-              <a:rPr lang="en-US" dirty="0" smtClean="0"/>
-              <a:t>Optimization </a:t>
-            </a:r>
-            <a:r>
-              <a:rPr lang="en-US" dirty="0" smtClean="0"/>
-              <a:t>objective</a:t>
+              <a:t>Supervised learning</a:t>
+            </a:r>
+          </a:p>
+          <a:p>
+            <a:r>
+              <a:rPr lang="en-US" dirty="0" smtClean="0"/>
+              <a:t>Decision tree</a:t>
+            </a:r>
+          </a:p>
+          <a:p>
+            <a:r>
+              <a:rPr lang="en-US" dirty="0" smtClean="0"/>
+              <a:t>Optimization objective</a:t>
             </a:r>
           </a:p>
           <a:p>
@@ -4229,7 +4338,6 @@
               <a:rPr lang="en-US" dirty="0" smtClean="0"/>
               <a:t>Select split condition</a:t>
             </a:r>
-            <a:endParaRPr lang="en-US" dirty="0" smtClean="0"/>
           </a:p>
           <a:p>
             <a:r>
@@ -4241,32 +4349,15 @@
             <a:pPr lvl="1"/>
             <a:r>
               <a:rPr lang="en-US" dirty="0" smtClean="0"/>
-              <a:t>Class of </a:t>
-            </a:r>
-            <a:r>
-              <a:rPr lang="en-US" dirty="0" smtClean="0"/>
-              <a:t>dataset </a:t>
-            </a:r>
-            <a:r>
-              <a:rPr lang="en-US" dirty="0" smtClean="0"/>
-              <a:t>sample – Classification tree</a:t>
+              <a:t>Class of dataset sample – Classification tree</a:t>
             </a:r>
           </a:p>
           <a:p>
             <a:pPr lvl="1"/>
             <a:r>
               <a:rPr lang="en-US" dirty="0" smtClean="0"/>
-              <a:t>Value </a:t>
-            </a:r>
-            <a:r>
-              <a:rPr lang="en-US" dirty="0" smtClean="0"/>
-              <a:t>of dataset </a:t>
-            </a:r>
-            <a:r>
-              <a:rPr lang="en-US" dirty="0" smtClean="0"/>
-              <a:t>sample – Regression tree</a:t>
-            </a:r>
-            <a:endParaRPr lang="en-US" dirty="0" smtClean="0"/>
+              <a:t>Value of dataset sample – Regression tree</a:t>
+            </a:r>
           </a:p>
           <a:p>
             <a:endParaRPr lang="en-US" dirty="0"/>
@@ -4446,15 +4537,7 @@
             <a:pPr lvl="1"/>
             <a:r>
               <a:rPr lang="en-US" dirty="0" smtClean="0"/>
-              <a:t>Select </a:t>
-            </a:r>
-            <a:r>
-              <a:rPr lang="en-US" dirty="0" smtClean="0"/>
-              <a:t>best solution in </a:t>
-            </a:r>
-            <a:r>
-              <a:rPr lang="en-US" dirty="0" smtClean="0"/>
-              <a:t>the current state</a:t>
+              <a:t>Select best solution in the current state</a:t>
             </a:r>
           </a:p>
           <a:p>
@@ -4555,69 +4638,49 @@
           <a:p>
             <a:r>
               <a:rPr lang="en-US" dirty="0" smtClean="0"/>
-              <a:t>Entropy </a:t>
-            </a:r>
-          </a:p>
-          <a:p>
-            <a:pPr lvl="1"/>
-            <a:r>
-              <a:rPr lang="en-US" dirty="0" smtClean="0"/>
-              <a:t>Measure of information contained in a state</a:t>
-            </a:r>
-          </a:p>
-          <a:p>
-            <a:pPr lvl="1"/>
-            <a:r>
-              <a:rPr lang="en-US" dirty="0" smtClean="0"/>
-              <a:t>High entropy – High uncertainty – More info</a:t>
-            </a:r>
-          </a:p>
-          <a:p>
-            <a:pPr lvl="1"/>
-            <a:r>
-              <a:rPr lang="en-US" dirty="0" smtClean="0"/>
-              <a:t>Less </a:t>
-            </a:r>
-            <a:r>
-              <a:rPr lang="en-US" dirty="0" smtClean="0"/>
-              <a:t>entropy </a:t>
-            </a:r>
-            <a:r>
-              <a:rPr lang="en-US" dirty="0" smtClean="0"/>
-              <a:t>– </a:t>
-            </a:r>
-            <a:r>
-              <a:rPr lang="en-US" dirty="0" smtClean="0"/>
-              <a:t>Less uncertainty </a:t>
-            </a:r>
-            <a:r>
-              <a:rPr lang="en-US" dirty="0" smtClean="0"/>
-              <a:t>– </a:t>
-            </a:r>
-            <a:r>
-              <a:rPr lang="en-US" dirty="0" smtClean="0"/>
-              <a:t>Less info</a:t>
-            </a:r>
-          </a:p>
-          <a:p>
-            <a:pPr lvl="1"/>
-            <a:r>
-              <a:rPr lang="en-US" dirty="0" smtClean="0"/>
-              <a:t>Root node – Highest entropy – 1 </a:t>
-            </a:r>
-          </a:p>
-          <a:p>
-            <a:pPr lvl="1"/>
-            <a:r>
-              <a:rPr lang="en-US" dirty="0" smtClean="0"/>
-              <a:t>Leaf node – Low entropy</a:t>
-            </a:r>
-          </a:p>
-          <a:p>
-            <a:pPr lvl="1"/>
-            <a:r>
-              <a:rPr lang="en-US" dirty="0" smtClean="0"/>
-              <a:t>Pure node – Lowest entropy – 0 </a:t>
+              <a:t>Entropy</a:t>
+            </a:r>
+          </a:p>
+          <a:p>
+            <a:r>
+              <a:rPr lang="en-US" dirty="0" smtClean="0"/>
+              <a:t>Information gain</a:t>
+            </a:r>
+          </a:p>
+          <a:p>
+            <a:r>
+              <a:rPr lang="en-US" dirty="0" err="1" smtClean="0"/>
+              <a:t>Gini</a:t>
+            </a:r>
+            <a:r>
+              <a:rPr lang="en-US" dirty="0" smtClean="0"/>
+              <a:t> index or </a:t>
+            </a:r>
+            <a:r>
+              <a:rPr lang="en-US" dirty="0" err="1" smtClean="0"/>
+              <a:t>Gini</a:t>
+            </a:r>
+            <a:r>
+              <a:rPr lang="en-US" dirty="0" smtClean="0"/>
+              <a:t> impurity</a:t>
+            </a:r>
+          </a:p>
+          <a:p>
+            <a:r>
+              <a:rPr lang="en-US" dirty="0" smtClean="0"/>
+              <a:t>Gain Ratio</a:t>
+            </a:r>
+          </a:p>
+          <a:p>
+            <a:r>
+              <a:rPr lang="en-US" dirty="0" smtClean="0"/>
+              <a:t>Reduction in Variance</a:t>
+            </a:r>
+          </a:p>
+          <a:p>
+            <a:r>
+              <a:rPr lang="en-US" dirty="0" smtClean="0"/>
+              <a:t>Chi-Square</a:t>
             </a:r>
           </a:p>
           <a:p>
@@ -4628,26 +4691,6 @@
           </a:p>
         </p:txBody>
       </p:sp>
-      <p:graphicFrame>
-        <p:nvGraphicFramePr>
-          <p:cNvPr id="7" name="Object 6"/>
-          <p:cNvGraphicFramePr>
-            <a:graphicFrameLocks noChangeAspect="1"/>
-          </p:cNvGraphicFramePr>
-          <p:nvPr/>
-        </p:nvGraphicFramePr>
-        <p:xfrm>
-          <a:off x="2752725" y="5334000"/>
-          <a:ext cx="3419475" cy="990600"/>
-        </p:xfrm>
-        <a:graphic>
-          <a:graphicData uri="http://schemas.openxmlformats.org/presentationml/2006/ole">
-            <p:oleObj spid="_x0000_s2050" name="Equation" r:id="rId3" imgW="2019240" imgH="583920" progId="Equation.3">
-              <p:embed/>
-            </p:oleObj>
-          </a:graphicData>
-        </a:graphic>
-      </p:graphicFrame>
     </p:spTree>
   </p:cSld>
   <p:clrMapOvr>
@@ -4697,7 +4740,7 @@
           <a:p>
             <a:r>
               <a:rPr lang="en-US" dirty="0" smtClean="0"/>
-              <a:t>Optimization objective</a:t>
+              <a:t>Entropy</a:t>
             </a:r>
             <a:endParaRPr lang="en-US" dirty="0"/>
           </a:p>
@@ -4722,38 +4765,41 @@
           <a:p>
             <a:r>
               <a:rPr lang="en-US" dirty="0" smtClean="0"/>
-              <a:t>Maximize information gain</a:t>
-            </a:r>
-          </a:p>
-          <a:p>
-            <a:r>
-              <a:rPr lang="en-US" dirty="0" smtClean="0"/>
-              <a:t>Information gain</a:t>
-            </a:r>
-          </a:p>
-          <a:p>
-            <a:r>
-              <a:rPr lang="en-US" dirty="0" smtClean="0"/>
-              <a:t>Entropy</a:t>
-            </a:r>
-          </a:p>
-          <a:p>
-            <a:r>
-              <a:rPr lang="en-US" dirty="0" smtClean="0"/>
-              <a:t>Parent entropy</a:t>
-            </a:r>
-          </a:p>
-          <a:p>
-            <a:r>
-              <a:rPr lang="en-US" dirty="0" smtClean="0"/>
-              <a:t>Weighted child entropy</a:t>
-            </a:r>
-          </a:p>
-          <a:p>
-            <a:r>
-              <a:rPr lang="en-US" dirty="0" smtClean="0"/>
-              <a:t>Weight – Relative size</a:t>
-            </a:r>
+              <a:t>Measure of information contained in a state</a:t>
+            </a:r>
+          </a:p>
+          <a:p>
+            <a:r>
+              <a:rPr lang="en-US" dirty="0" smtClean="0"/>
+              <a:t>High entropy – High uncertainty – More info</a:t>
+            </a:r>
+          </a:p>
+          <a:p>
+            <a:r>
+              <a:rPr lang="en-US" dirty="0" smtClean="0"/>
+              <a:t>Less entropy – Less uncertainty – Less info</a:t>
+            </a:r>
+          </a:p>
+          <a:p>
+            <a:r>
+              <a:rPr lang="en-US" dirty="0" smtClean="0"/>
+              <a:t>Root node – Highest entropy – 1 </a:t>
+            </a:r>
+          </a:p>
+          <a:p>
+            <a:r>
+              <a:rPr lang="en-US" dirty="0" smtClean="0"/>
+              <a:t>Leaf node – Low entropy</a:t>
+            </a:r>
+          </a:p>
+          <a:p>
+            <a:r>
+              <a:rPr lang="en-US" dirty="0" smtClean="0"/>
+              <a:t>Pure node – Lowest entropy – 0 </a:t>
+            </a:r>
+          </a:p>
+          <a:p>
+            <a:endParaRPr lang="en-US" dirty="0" smtClean="0"/>
           </a:p>
           <a:p>
             <a:endParaRPr lang="en-US" dirty="0"/>
@@ -4769,12 +4815,12 @@
           <p:nvPr/>
         </p:nvGraphicFramePr>
         <p:xfrm>
-          <a:off x="5181600" y="3302000"/>
-          <a:ext cx="3741738" cy="3403600"/>
+          <a:off x="2752725" y="5334000"/>
+          <a:ext cx="3419475" cy="990600"/>
         </p:xfrm>
         <a:graphic>
           <a:graphicData uri="http://schemas.openxmlformats.org/presentationml/2006/ole">
-            <p:oleObj spid="_x0000_s1026" name="Equation" r:id="rId3" imgW="2209680" imgH="2006280" progId="Equation.3">
+            <p:oleObj spid="_x0000_s2050" name="Equation" r:id="rId3" imgW="2019240" imgH="583920" progId="Equation.3">
               <p:embed/>
             </p:oleObj>
           </a:graphicData>
@@ -4829,7 +4875,7 @@
           <a:p>
             <a:r>
               <a:rPr lang="en-US" dirty="0" smtClean="0"/>
-              <a:t>Optimization objective</a:t>
+              <a:t>Information Gain</a:t>
             </a:r>
             <a:endParaRPr lang="en-US" dirty="0"/>
           </a:p>
@@ -4853,103 +4899,65 @@
           <a:lstStyle/>
           <a:p>
             <a:r>
-              <a:rPr lang="en-US" dirty="0" err="1" smtClean="0"/>
-              <a:t>Gini</a:t>
-            </a:r>
-            <a:r>
-              <a:rPr lang="en-US" dirty="0" smtClean="0"/>
-              <a:t> I</a:t>
-            </a:r>
-            <a:r>
-              <a:rPr lang="en-US" dirty="0" smtClean="0"/>
-              <a:t>ndex or </a:t>
-            </a:r>
-            <a:r>
-              <a:rPr lang="en-US" dirty="0" err="1" smtClean="0"/>
-              <a:t>Gini</a:t>
-            </a:r>
-            <a:r>
-              <a:rPr lang="en-US" dirty="0" smtClean="0"/>
-              <a:t> I</a:t>
-            </a:r>
-            <a:r>
-              <a:rPr lang="en-US" dirty="0" smtClean="0"/>
-              <a:t>mpurity</a:t>
-            </a:r>
-          </a:p>
-          <a:p>
-            <a:r>
-              <a:rPr lang="en-IN" dirty="0" smtClean="0"/>
-              <a:t>Evaluate accuracy of a split</a:t>
-            </a:r>
-          </a:p>
-          <a:p>
-            <a:r>
-              <a:rPr lang="en-IN" dirty="0" smtClean="0"/>
-              <a:t>Value between </a:t>
-            </a:r>
-            <a:r>
-              <a:rPr lang="en-IN" dirty="0" smtClean="0"/>
-              <a:t>0 and </a:t>
-            </a:r>
-            <a:r>
-              <a:rPr lang="en-IN" dirty="0" smtClean="0"/>
-              <a:t>1</a:t>
-            </a:r>
-          </a:p>
-          <a:p>
-            <a:r>
-              <a:rPr lang="en-IN" dirty="0" smtClean="0"/>
-              <a:t>Value </a:t>
-            </a:r>
-            <a:r>
-              <a:rPr lang="en-IN" dirty="0" smtClean="0"/>
-              <a:t>0 </a:t>
-            </a:r>
-            <a:endParaRPr lang="en-IN" dirty="0" smtClean="0"/>
-          </a:p>
-          <a:p>
-            <a:pPr lvl="1"/>
-            <a:r>
-              <a:rPr lang="en-IN" dirty="0" smtClean="0"/>
-              <a:t>All observations </a:t>
-            </a:r>
-            <a:r>
-              <a:rPr lang="en-IN" dirty="0" smtClean="0"/>
-              <a:t>belong to one </a:t>
-            </a:r>
-            <a:r>
-              <a:rPr lang="en-IN" dirty="0" smtClean="0"/>
-              <a:t>class</a:t>
-            </a:r>
-          </a:p>
-          <a:p>
-            <a:r>
-              <a:rPr lang="en-IN" dirty="0" smtClean="0"/>
-              <a:t>Value 1 </a:t>
-            </a:r>
-          </a:p>
-          <a:p>
-            <a:pPr lvl="1"/>
-            <a:r>
-              <a:rPr lang="en-IN" dirty="0" smtClean="0"/>
-              <a:t>Random </a:t>
-            </a:r>
-            <a:r>
-              <a:rPr lang="en-IN" dirty="0" smtClean="0"/>
-              <a:t>distribution </a:t>
-            </a:r>
-            <a:r>
-              <a:rPr lang="en-IN" dirty="0" smtClean="0"/>
-              <a:t>of classes</a:t>
-            </a:r>
-            <a:endParaRPr lang="en-US" dirty="0" smtClean="0"/>
+              <a:rPr lang="en-US" dirty="0" smtClean="0"/>
+              <a:t>Maximize information gain</a:t>
+            </a:r>
+          </a:p>
+          <a:p>
+            <a:r>
+              <a:rPr lang="en-US" dirty="0" smtClean="0"/>
+              <a:t>Information gain</a:t>
+            </a:r>
+          </a:p>
+          <a:p>
+            <a:r>
+              <a:rPr lang="en-US" dirty="0" smtClean="0"/>
+              <a:t>Entropy</a:t>
+            </a:r>
+          </a:p>
+          <a:p>
+            <a:r>
+              <a:rPr lang="en-US" dirty="0" smtClean="0"/>
+              <a:t>Parent entropy</a:t>
+            </a:r>
+          </a:p>
+          <a:p>
+            <a:r>
+              <a:rPr lang="en-US" dirty="0" smtClean="0"/>
+              <a:t>Weighted child entropy</a:t>
+            </a:r>
+          </a:p>
+          <a:p>
+            <a:r>
+              <a:rPr lang="en-US" dirty="0" smtClean="0"/>
+              <a:t>Weight – Relative size</a:t>
+            </a:r>
           </a:p>
           <a:p>
             <a:endParaRPr lang="en-US" dirty="0"/>
           </a:p>
         </p:txBody>
       </p:sp>
+      <p:graphicFrame>
+        <p:nvGraphicFramePr>
+          <p:cNvPr id="7" name="Object 6"/>
+          <p:cNvGraphicFramePr>
+            <a:graphicFrameLocks noChangeAspect="1"/>
+          </p:cNvGraphicFramePr>
+          <p:nvPr/>
+        </p:nvGraphicFramePr>
+        <p:xfrm>
+          <a:off x="5181600" y="3302000"/>
+          <a:ext cx="3741738" cy="3403600"/>
+        </p:xfrm>
+        <a:graphic>
+          <a:graphicData uri="http://schemas.openxmlformats.org/presentationml/2006/ole">
+            <p:oleObj spid="_x0000_s1026" name="Equation" r:id="rId3" imgW="2209680" imgH="2006280" progId="Equation.3">
+              <p:embed/>
+            </p:oleObj>
+          </a:graphicData>
+        </a:graphic>
+      </p:graphicFrame>
     </p:spTree>
   </p:cSld>
   <p:clrMapOvr>
@@ -4998,12 +5006,12 @@
           <a:lstStyle/>
           <a:p>
             <a:r>
-              <a:rPr lang="en-US" dirty="0" smtClean="0"/>
-              <a:t>Decision Tree </a:t>
-            </a:r>
-            <a:r>
-              <a:rPr lang="en-US" dirty="0" smtClean="0"/>
-              <a:t>Algorithm</a:t>
+              <a:rPr lang="en-US" dirty="0" err="1" smtClean="0"/>
+              <a:t>Gini</a:t>
+            </a:r>
+            <a:r>
+              <a:rPr lang="en-US" dirty="0" smtClean="0"/>
+              <a:t> Index</a:t>
             </a:r>
             <a:endParaRPr lang="en-US" dirty="0"/>
           </a:p>
@@ -5011,7 +5019,7 @@
       </p:sp>
       <p:sp>
         <p:nvSpPr>
-          <p:cNvPr id="3" name="Content Placeholder 2"/>
+          <p:cNvPr id="4" name="Content Placeholder 3"/>
           <p:cNvSpPr>
             <a:spLocks noGrp="1"/>
           </p:cNvSpPr>
@@ -5026,113 +5034,104 @@
           </a:bodyPr>
           <a:lstStyle/>
           <a:p>
-            <a:pPr marL="514350" indent="-514350">
-              <a:buFont typeface="+mj-lt"/>
-              <a:buAutoNum type="arabicPeriod"/>
-            </a:pPr>
+            <a:r>
+              <a:rPr lang="en-US" dirty="0" err="1" smtClean="0"/>
+              <a:t>Gini</a:t>
+            </a:r>
+            <a:r>
+              <a:rPr lang="en-US" smtClean="0"/>
+              <a:t> </a:t>
+            </a:r>
+            <a:r>
+              <a:rPr lang="en-US" smtClean="0"/>
+              <a:t>Impurity</a:t>
+            </a:r>
+            <a:endParaRPr lang="en-US" dirty="0" smtClean="0"/>
+          </a:p>
+          <a:p>
             <a:r>
               <a:rPr lang="en-IN" dirty="0" smtClean="0"/>
-              <a:t>Create root node with complete dataset</a:t>
-            </a:r>
-            <a:endParaRPr lang="en-IN" dirty="0" smtClean="0"/>
-          </a:p>
-          <a:p>
-            <a:pPr marL="514350" indent="-514350">
-              <a:buFont typeface="+mj-lt"/>
-              <a:buAutoNum type="arabicPeriod"/>
-            </a:pPr>
+              <a:t>Evaluate accuracy of a split</a:t>
+            </a:r>
+          </a:p>
+          <a:p>
             <a:r>
               <a:rPr lang="en-IN" dirty="0" smtClean="0"/>
-              <a:t>Find </a:t>
-            </a:r>
+              <a:t>Value between 0 and 1</a:t>
+            </a:r>
+          </a:p>
+          <a:p>
             <a:r>
               <a:rPr lang="en-IN" dirty="0" smtClean="0"/>
-              <a:t>best </a:t>
-            </a:r>
+              <a:t>Value 0 </a:t>
+            </a:r>
+          </a:p>
+          <a:p>
+            <a:pPr lvl="1"/>
             <a:r>
               <a:rPr lang="en-IN" dirty="0" smtClean="0"/>
-              <a:t>attribute </a:t>
-            </a:r>
+              <a:t>All observations belong to one class</a:t>
+            </a:r>
+          </a:p>
+          <a:p>
             <a:r>
               <a:rPr lang="en-IN" dirty="0" smtClean="0"/>
-              <a:t>and value in dataset</a:t>
-            </a:r>
-            <a:endParaRPr lang="en-IN" dirty="0" smtClean="0"/>
-          </a:p>
-          <a:p>
-            <a:pPr marL="514350" indent="-514350">
-              <a:buFont typeface="+mj-lt"/>
-              <a:buAutoNum type="arabicPeriod"/>
-            </a:pPr>
+              <a:t>Value 1 </a:t>
+            </a:r>
+          </a:p>
+          <a:p>
+            <a:pPr lvl="1"/>
             <a:r>
               <a:rPr lang="en-IN" dirty="0" smtClean="0"/>
-              <a:t>Generate </a:t>
-            </a:r>
-            <a:r>
-              <a:rPr lang="en-IN" dirty="0" smtClean="0"/>
-              <a:t>decision node</a:t>
-            </a:r>
-            <a:endParaRPr lang="en-IN" dirty="0" smtClean="0"/>
-          </a:p>
-          <a:p>
-            <a:pPr marL="514350" indent="-514350">
-              <a:buFont typeface="+mj-lt"/>
-              <a:buAutoNum type="arabicPeriod"/>
-            </a:pPr>
-            <a:r>
-              <a:rPr lang="en-IN" dirty="0" smtClean="0"/>
-              <a:t>Divide current dataset into subsets</a:t>
-            </a:r>
-            <a:endParaRPr lang="en-IN" dirty="0" smtClean="0"/>
-          </a:p>
-          <a:p>
-            <a:pPr marL="514350" indent="-514350">
-              <a:buFont typeface="+mj-lt"/>
-              <a:buAutoNum type="arabicPeriod"/>
-            </a:pPr>
-            <a:r>
-              <a:rPr lang="en-IN" dirty="0" smtClean="0"/>
-              <a:t>Repeat </a:t>
-            </a:r>
-            <a:r>
-              <a:rPr lang="en-IN" dirty="0" smtClean="0"/>
-              <a:t>Steps </a:t>
-            </a:r>
-            <a:r>
-              <a:rPr lang="en-IN" dirty="0" smtClean="0"/>
-              <a:t>2 </a:t>
-            </a:r>
-            <a:r>
-              <a:rPr lang="en-IN" dirty="0" smtClean="0"/>
-              <a:t>to </a:t>
-            </a:r>
-            <a:r>
-              <a:rPr lang="en-IN" dirty="0" smtClean="0"/>
-              <a:t>3 </a:t>
-            </a:r>
-            <a:r>
-              <a:rPr lang="en-IN" dirty="0" smtClean="0"/>
-              <a:t>until </a:t>
-            </a:r>
-          </a:p>
-          <a:p>
-            <a:pPr marL="914400" lvl="1" indent="-514350"/>
-            <a:r>
-              <a:rPr lang="en-US" dirty="0" smtClean="0"/>
-              <a:t>All nodes are leaf nodes</a:t>
+              <a:t>Random distribution of classes</a:t>
             </a:r>
             <a:endParaRPr lang="en-US" dirty="0" smtClean="0"/>
           </a:p>
           <a:p>
-            <a:pPr marL="914400" lvl="1" indent="-514350"/>
-            <a:r>
-              <a:rPr lang="en-US" dirty="0" smtClean="0"/>
-              <a:t>Further division is not possible</a:t>
-            </a:r>
-            <a:endParaRPr lang="en-US" dirty="0" smtClean="0"/>
-          </a:p>
-        </p:txBody>
-      </p:sp>
+            <a:endParaRPr lang="en-US" dirty="0"/>
+          </a:p>
+        </p:txBody>
+      </p:sp>
+      <p:graphicFrame>
+        <p:nvGraphicFramePr>
+          <p:cNvPr id="5" name="Object 4"/>
+          <p:cNvGraphicFramePr>
+            <a:graphicFrameLocks noChangeAspect="1"/>
+          </p:cNvGraphicFramePr>
+          <p:nvPr/>
+        </p:nvGraphicFramePr>
+        <p:xfrm>
+          <a:off x="4114800" y="3321050"/>
+          <a:ext cx="914400" cy="215900"/>
+        </p:xfrm>
+        <a:graphic>
+          <a:graphicData uri="http://schemas.openxmlformats.org/presentationml/2006/ole">
+            <p:oleObj spid="_x0000_s22530" name="Equation" r:id="rId3" imgW="914400" imgH="215640" progId="Equation.3">
+              <p:embed/>
+            </p:oleObj>
+          </a:graphicData>
+        </a:graphic>
+      </p:graphicFrame>
+      <p:graphicFrame>
+        <p:nvGraphicFramePr>
+          <p:cNvPr id="6" name="Object 5"/>
+          <p:cNvGraphicFramePr>
+            <a:graphicFrameLocks noChangeAspect="1"/>
+          </p:cNvGraphicFramePr>
+          <p:nvPr/>
+        </p:nvGraphicFramePr>
+        <p:xfrm>
+          <a:off x="5562600" y="1640122"/>
+          <a:ext cx="3429000" cy="2322278"/>
+        </p:xfrm>
+        <a:graphic>
+          <a:graphicData uri="http://schemas.openxmlformats.org/presentationml/2006/ole">
+            <p:oleObj spid="_x0000_s22531" name="Equation" r:id="rId4" imgW="1650960" imgH="1117440" progId="Equation.3">
+              <p:embed/>
+            </p:oleObj>
+          </a:graphicData>
+        </a:graphic>
+      </p:graphicFrame>
     </p:spTree>
   </p:cSld>
   <p:clrMapOvr>

--- a/MachineLearning/DecisionTree.pptx
+++ b/MachineLearning/DecisionTree.pptx
@@ -5039,14 +5039,9 @@
               <a:t>Gini</a:t>
             </a:r>
             <a:r>
-              <a:rPr lang="en-US" smtClean="0"/>
-              <a:t> </a:t>
-            </a:r>
-            <a:r>
-              <a:rPr lang="en-US" smtClean="0"/>
-              <a:t>Impurity</a:t>
-            </a:r>
-            <a:endParaRPr lang="en-US" dirty="0" smtClean="0"/>
+              <a:rPr lang="en-US" dirty="0" smtClean="0"/>
+              <a:t> Impurity</a:t>
+            </a:r>
           </a:p>
           <a:p>
             <a:r>
@@ -5121,12 +5116,12 @@
           <p:nvPr/>
         </p:nvGraphicFramePr>
         <p:xfrm>
-          <a:off x="5562600" y="1640122"/>
-          <a:ext cx="3429000" cy="2322278"/>
+          <a:off x="5638800" y="1349375"/>
+          <a:ext cx="3323070" cy="2613025"/>
         </p:xfrm>
         <a:graphic>
           <a:graphicData uri="http://schemas.openxmlformats.org/presentationml/2006/ole">
-            <p:oleObj spid="_x0000_s22531" name="Equation" r:id="rId4" imgW="1650960" imgH="1117440" progId="Equation.3">
+            <p:oleObj spid="_x0000_s22531" name="Equation" r:id="rId4" imgW="1777680" imgH="1396800" progId="Equation.3">
               <p:embed/>
             </p:oleObj>
           </a:graphicData>

--- a/MachineLearning/DecisionTree.pptx
+++ b/MachineLearning/DecisionTree.pptx
@@ -3800,11 +3800,20 @@
           <a:p>
             <a:r>
               <a:rPr lang="en-US" dirty="0" smtClean="0"/>
-              <a:t>Less accurate </a:t>
-            </a:r>
-          </a:p>
-          <a:p>
-            <a:pPr lvl="1"/>
+              <a:t>Over-fitting </a:t>
+            </a:r>
+          </a:p>
+          <a:p>
+            <a:r>
+              <a:rPr lang="en-US" dirty="0" smtClean="0"/>
+              <a:t>Less </a:t>
+            </a:r>
+            <a:r>
+              <a:rPr lang="en-US" dirty="0" smtClean="0"/>
+              <a:t>accurate </a:t>
+            </a:r>
+          </a:p>
+          <a:p>
             <a:r>
               <a:rPr lang="en-US" dirty="0" smtClean="0"/>
               <a:t>Solution – Use random forest algorithm </a:t>
